--- a/alins-logo.pptx
+++ b/alins-logo.pptx
@@ -1,18 +1,18 @@
 
 <file path=ppt/presentation.xml><?xml version="1.0" encoding="utf-8"?>
-<p:presentation xmlns:a="http://schemas.openxmlformats.org/drawingml/2006/main" xmlns:r="http://schemas.openxmlformats.org/officeDocument/2006/relationships" xmlns:p="http://schemas.openxmlformats.org/presentationml/2006/main" saveSubsetFonts="1" autoCompressPictures="0">
+<p:presentation xmlns:a="http://schemas.openxmlformats.org/drawingml/2006/main" xmlns:r="http://schemas.openxmlformats.org/officeDocument/2006/relationships" xmlns:p="http://schemas.openxmlformats.org/presentationml/2006/main" autoCompressPictures="0">
   <p:sldMasterIdLst>
     <p:sldMasterId id="2147483648" r:id="rId1"/>
   </p:sldMasterIdLst>
   <p:sldIdLst>
-    <p:sldId id="256" r:id="rId2"/>
-    <p:sldId id="257" r:id="rId3"/>
+    <p:sldId id="256" r:id="rId3"/>
+    <p:sldId id="257" r:id="rId4"/>
   </p:sldIdLst>
   <p:sldSz cx="12192000" cy="6858000"/>
   <p:notesSz cx="6858000" cy="9144000"/>
   <p:defaultTextStyle>
     <a:defPPr>
-      <a:defRPr lang="en-CN"/>
+      <a:defRPr lang="en-US"/>
     </a:defPPr>
     <a:lvl1pPr marL="0" algn="l" defTabSz="914400" rtl="0" eaLnBrk="1" latinLnBrk="0" hangingPunct="1">
       <a:defRPr sz="1800" kern="1200">
@@ -127,13 +127,7 @@
       </p:grpSpPr>
       <p:sp>
         <p:nvSpPr>
-          <p:cNvPr id="2" name="Title 1">
-            <a:extLst>
-              <a:ext uri="{FF2B5EF4-FFF2-40B4-BE49-F238E27FC236}">
-                <a16:creationId xmlns:a16="http://schemas.microsoft.com/office/drawing/2014/main" id="{E513716E-4925-D63B-561A-CF280CD3B10F}"/>
-              </a:ext>
-            </a:extLst>
-          </p:cNvPr>
+          <p:cNvPr id="2" name="Title 1"/>
           <p:cNvSpPr>
             <a:spLocks noGrp="1"/>
           </p:cNvSpPr>
@@ -159,19 +153,13 @@
               <a:rPr lang="en-US"/>
               <a:t>Click to edit Master title style</a:t>
             </a:r>
-            <a:endParaRPr lang="en-CN"/>
-          </a:p>
-        </p:txBody>
-      </p:sp>
-      <p:sp>
-        <p:nvSpPr>
-          <p:cNvPr id="3" name="Subtitle 2">
-            <a:extLst>
-              <a:ext uri="{FF2B5EF4-FFF2-40B4-BE49-F238E27FC236}">
-                <a16:creationId xmlns:a16="http://schemas.microsoft.com/office/drawing/2014/main" id="{CC5799E7-BED9-48E8-5A7F-819E5A7656A4}"/>
-              </a:ext>
-            </a:extLst>
-          </p:cNvPr>
+            <a:endParaRPr lang="en-US"/>
+          </a:p>
+        </p:txBody>
+      </p:sp>
+      <p:sp>
+        <p:nvSpPr>
+          <p:cNvPr id="3" name="Subtitle 2"/>
           <p:cNvSpPr>
             <a:spLocks noGrp="1"/>
           </p:cNvSpPr>
@@ -230,19 +218,13 @@
               <a:rPr lang="en-US"/>
               <a:t>Click to edit Master subtitle style</a:t>
             </a:r>
-            <a:endParaRPr lang="en-CN"/>
-          </a:p>
-        </p:txBody>
-      </p:sp>
-      <p:sp>
-        <p:nvSpPr>
-          <p:cNvPr id="4" name="Date Placeholder 3">
-            <a:extLst>
-              <a:ext uri="{FF2B5EF4-FFF2-40B4-BE49-F238E27FC236}">
-                <a16:creationId xmlns:a16="http://schemas.microsoft.com/office/drawing/2014/main" id="{DF837BEF-95E4-240F-D7B9-514EB7161F41}"/>
-              </a:ext>
-            </a:extLst>
-          </p:cNvPr>
+            <a:endParaRPr lang="en-US"/>
+          </a:p>
+        </p:txBody>
+      </p:sp>
+      <p:sp>
+        <p:nvSpPr>
+          <p:cNvPr id="4" name="Date Placeholder 3"/>
           <p:cNvSpPr>
             <a:spLocks noGrp="1"/>
           </p:cNvSpPr>
@@ -256,22 +238,15 @@
           <a:lstStyle/>
           <a:p>
             <a:fld id="{FA0443F5-0765-FD47-89E8-FDED27B1F8A5}" type="datetimeFigureOut">
-              <a:rPr lang="en-CN" smtClean="0"/>
-              <a:t>2022/10/18</a:t>
+              <a:rPr lang="en-US" smtClean="0"/>
             </a:fld>
-            <a:endParaRPr lang="en-CN"/>
-          </a:p>
-        </p:txBody>
-      </p:sp>
-      <p:sp>
-        <p:nvSpPr>
-          <p:cNvPr id="5" name="Footer Placeholder 4">
-            <a:extLst>
-              <a:ext uri="{FF2B5EF4-FFF2-40B4-BE49-F238E27FC236}">
-                <a16:creationId xmlns:a16="http://schemas.microsoft.com/office/drawing/2014/main" id="{A34FFA5F-6712-AABF-3D22-B1FF2DB98E4A}"/>
-              </a:ext>
-            </a:extLst>
-          </p:cNvPr>
+            <a:endParaRPr lang="en-US"/>
+          </a:p>
+        </p:txBody>
+      </p:sp>
+      <p:sp>
+        <p:nvSpPr>
+          <p:cNvPr id="5" name="Footer Placeholder 4"/>
           <p:cNvSpPr>
             <a:spLocks noGrp="1"/>
           </p:cNvSpPr>
@@ -284,19 +259,13 @@
           <a:bodyPr/>
           <a:lstStyle/>
           <a:p>
-            <a:endParaRPr lang="en-CN"/>
-          </a:p>
-        </p:txBody>
-      </p:sp>
-      <p:sp>
-        <p:nvSpPr>
-          <p:cNvPr id="6" name="Slide Number Placeholder 5">
-            <a:extLst>
-              <a:ext uri="{FF2B5EF4-FFF2-40B4-BE49-F238E27FC236}">
-                <a16:creationId xmlns:a16="http://schemas.microsoft.com/office/drawing/2014/main" id="{87ED0469-32EC-7407-B69A-94C7966B4BB8}"/>
-              </a:ext>
-            </a:extLst>
-          </p:cNvPr>
+            <a:endParaRPr lang="en-US"/>
+          </a:p>
+        </p:txBody>
+      </p:sp>
+      <p:sp>
+        <p:nvSpPr>
+          <p:cNvPr id="6" name="Slide Number Placeholder 5"/>
           <p:cNvSpPr>
             <a:spLocks noGrp="1"/>
           </p:cNvSpPr>
@@ -310,19 +279,13 @@
           <a:lstStyle/>
           <a:p>
             <a:fld id="{5143AB2A-8178-FF44-B866-5C106E9D85E1}" type="slidenum">
-              <a:rPr lang="en-CN" smtClean="0"/>
-              <a:t>‹#›</a:t>
+              <a:rPr lang="en-US" smtClean="0"/>
             </a:fld>
-            <a:endParaRPr lang="en-CN"/>
+            <a:endParaRPr lang="en-US"/>
           </a:p>
         </p:txBody>
       </p:sp>
     </p:spTree>
-    <p:extLst>
-      <p:ext uri="{BB962C8B-B14F-4D97-AF65-F5344CB8AC3E}">
-        <p14:creationId xmlns:p14="http://schemas.microsoft.com/office/powerpoint/2010/main" val="3711622716"/>
-      </p:ext>
-    </p:extLst>
   </p:cSld>
   <p:clrMapOvr>
     <a:masterClrMapping/>
@@ -349,13 +312,7 @@
       </p:grpSpPr>
       <p:sp>
         <p:nvSpPr>
-          <p:cNvPr id="2" name="Title 1">
-            <a:extLst>
-              <a:ext uri="{FF2B5EF4-FFF2-40B4-BE49-F238E27FC236}">
-                <a16:creationId xmlns:a16="http://schemas.microsoft.com/office/drawing/2014/main" id="{8888A997-1930-5320-65A5-219D1E03BB2E}"/>
-              </a:ext>
-            </a:extLst>
-          </p:cNvPr>
+          <p:cNvPr id="2" name="Title 1"/>
           <p:cNvSpPr>
             <a:spLocks noGrp="1"/>
           </p:cNvSpPr>
@@ -372,19 +329,13 @@
               <a:rPr lang="en-US"/>
               <a:t>Click to edit Master title style</a:t>
             </a:r>
-            <a:endParaRPr lang="en-CN"/>
-          </a:p>
-        </p:txBody>
-      </p:sp>
-      <p:sp>
-        <p:nvSpPr>
-          <p:cNvPr id="3" name="Vertical Text Placeholder 2">
-            <a:extLst>
-              <a:ext uri="{FF2B5EF4-FFF2-40B4-BE49-F238E27FC236}">
-                <a16:creationId xmlns:a16="http://schemas.microsoft.com/office/drawing/2014/main" id="{224943DB-D03D-EE29-753E-1017E29AB509}"/>
-              </a:ext>
-            </a:extLst>
-          </p:cNvPr>
+            <a:endParaRPr lang="en-US"/>
+          </a:p>
+        </p:txBody>
+      </p:sp>
+      <p:sp>
+        <p:nvSpPr>
+          <p:cNvPr id="3" name="Vertical Text Placeholder 2"/>
           <p:cNvSpPr>
             <a:spLocks noGrp="1"/>
           </p:cNvSpPr>
@@ -402,6 +353,7 @@
               <a:rPr lang="en-US"/>
               <a:t>Click to edit Master text styles</a:t>
             </a:r>
+            <a:endParaRPr lang="en-US"/>
           </a:p>
           <a:p>
             <a:pPr lvl="1"/>
@@ -409,6 +361,7 @@
               <a:rPr lang="en-US"/>
               <a:t>Second level</a:t>
             </a:r>
+            <a:endParaRPr lang="en-US"/>
           </a:p>
           <a:p>
             <a:pPr lvl="2"/>
@@ -416,6 +369,7 @@
               <a:rPr lang="en-US"/>
               <a:t>Third level</a:t>
             </a:r>
+            <a:endParaRPr lang="en-US"/>
           </a:p>
           <a:p>
             <a:pPr lvl="3"/>
@@ -423,6 +377,7 @@
               <a:rPr lang="en-US"/>
               <a:t>Fourth level</a:t>
             </a:r>
+            <a:endParaRPr lang="en-US"/>
           </a:p>
           <a:p>
             <a:pPr lvl="4"/>
@@ -430,19 +385,13 @@
               <a:rPr lang="en-US"/>
               <a:t>Fifth level</a:t>
             </a:r>
-            <a:endParaRPr lang="en-CN"/>
-          </a:p>
-        </p:txBody>
-      </p:sp>
-      <p:sp>
-        <p:nvSpPr>
-          <p:cNvPr id="4" name="Date Placeholder 3">
-            <a:extLst>
-              <a:ext uri="{FF2B5EF4-FFF2-40B4-BE49-F238E27FC236}">
-                <a16:creationId xmlns:a16="http://schemas.microsoft.com/office/drawing/2014/main" id="{09B7C7CB-D2DC-DC3A-026E-05B8A8C3BB47}"/>
-              </a:ext>
-            </a:extLst>
-          </p:cNvPr>
+            <a:endParaRPr lang="en-US"/>
+          </a:p>
+        </p:txBody>
+      </p:sp>
+      <p:sp>
+        <p:nvSpPr>
+          <p:cNvPr id="4" name="Date Placeholder 3"/>
           <p:cNvSpPr>
             <a:spLocks noGrp="1"/>
           </p:cNvSpPr>
@@ -456,22 +405,15 @@
           <a:lstStyle/>
           <a:p>
             <a:fld id="{FA0443F5-0765-FD47-89E8-FDED27B1F8A5}" type="datetimeFigureOut">
-              <a:rPr lang="en-CN" smtClean="0"/>
-              <a:t>2022/10/18</a:t>
+              <a:rPr lang="en-US" smtClean="0"/>
             </a:fld>
-            <a:endParaRPr lang="en-CN"/>
-          </a:p>
-        </p:txBody>
-      </p:sp>
-      <p:sp>
-        <p:nvSpPr>
-          <p:cNvPr id="5" name="Footer Placeholder 4">
-            <a:extLst>
-              <a:ext uri="{FF2B5EF4-FFF2-40B4-BE49-F238E27FC236}">
-                <a16:creationId xmlns:a16="http://schemas.microsoft.com/office/drawing/2014/main" id="{201E83C4-BCA4-77FC-4874-F8FFCDACCEDA}"/>
-              </a:ext>
-            </a:extLst>
-          </p:cNvPr>
+            <a:endParaRPr lang="en-US"/>
+          </a:p>
+        </p:txBody>
+      </p:sp>
+      <p:sp>
+        <p:nvSpPr>
+          <p:cNvPr id="5" name="Footer Placeholder 4"/>
           <p:cNvSpPr>
             <a:spLocks noGrp="1"/>
           </p:cNvSpPr>
@@ -484,19 +426,13 @@
           <a:bodyPr/>
           <a:lstStyle/>
           <a:p>
-            <a:endParaRPr lang="en-CN"/>
-          </a:p>
-        </p:txBody>
-      </p:sp>
-      <p:sp>
-        <p:nvSpPr>
-          <p:cNvPr id="6" name="Slide Number Placeholder 5">
-            <a:extLst>
-              <a:ext uri="{FF2B5EF4-FFF2-40B4-BE49-F238E27FC236}">
-                <a16:creationId xmlns:a16="http://schemas.microsoft.com/office/drawing/2014/main" id="{768E494C-4642-37D1-F249-408390543088}"/>
-              </a:ext>
-            </a:extLst>
-          </p:cNvPr>
+            <a:endParaRPr lang="en-US"/>
+          </a:p>
+        </p:txBody>
+      </p:sp>
+      <p:sp>
+        <p:nvSpPr>
+          <p:cNvPr id="6" name="Slide Number Placeholder 5"/>
           <p:cNvSpPr>
             <a:spLocks noGrp="1"/>
           </p:cNvSpPr>
@@ -510,19 +446,13 @@
           <a:lstStyle/>
           <a:p>
             <a:fld id="{5143AB2A-8178-FF44-B866-5C106E9D85E1}" type="slidenum">
-              <a:rPr lang="en-CN" smtClean="0"/>
-              <a:t>‹#›</a:t>
+              <a:rPr lang="en-US" smtClean="0"/>
             </a:fld>
-            <a:endParaRPr lang="en-CN"/>
+            <a:endParaRPr lang="en-US"/>
           </a:p>
         </p:txBody>
       </p:sp>
     </p:spTree>
-    <p:extLst>
-      <p:ext uri="{BB962C8B-B14F-4D97-AF65-F5344CB8AC3E}">
-        <p14:creationId xmlns:p14="http://schemas.microsoft.com/office/powerpoint/2010/main" val="2381728479"/>
-      </p:ext>
-    </p:extLst>
   </p:cSld>
   <p:clrMapOvr>
     <a:masterClrMapping/>
@@ -549,13 +479,7 @@
       </p:grpSpPr>
       <p:sp>
         <p:nvSpPr>
-          <p:cNvPr id="2" name="Vertical Title 1">
-            <a:extLst>
-              <a:ext uri="{FF2B5EF4-FFF2-40B4-BE49-F238E27FC236}">
-                <a16:creationId xmlns:a16="http://schemas.microsoft.com/office/drawing/2014/main" id="{BB33975B-42EB-E6ED-06C1-4F9C03EFB2F1}"/>
-              </a:ext>
-            </a:extLst>
-          </p:cNvPr>
+          <p:cNvPr id="2" name="Vertical Title 1"/>
           <p:cNvSpPr>
             <a:spLocks noGrp="1"/>
           </p:cNvSpPr>
@@ -577,19 +501,13 @@
               <a:rPr lang="en-US"/>
               <a:t>Click to edit Master title style</a:t>
             </a:r>
-            <a:endParaRPr lang="en-CN"/>
-          </a:p>
-        </p:txBody>
-      </p:sp>
-      <p:sp>
-        <p:nvSpPr>
-          <p:cNvPr id="3" name="Vertical Text Placeholder 2">
-            <a:extLst>
-              <a:ext uri="{FF2B5EF4-FFF2-40B4-BE49-F238E27FC236}">
-                <a16:creationId xmlns:a16="http://schemas.microsoft.com/office/drawing/2014/main" id="{57B17C2F-7028-7D75-E118-20C537279B5C}"/>
-              </a:ext>
-            </a:extLst>
-          </p:cNvPr>
+            <a:endParaRPr lang="en-US"/>
+          </a:p>
+        </p:txBody>
+      </p:sp>
+      <p:sp>
+        <p:nvSpPr>
+          <p:cNvPr id="3" name="Vertical Text Placeholder 2"/>
           <p:cNvSpPr>
             <a:spLocks noGrp="1"/>
           </p:cNvSpPr>
@@ -612,6 +530,7 @@
               <a:rPr lang="en-US"/>
               <a:t>Click to edit Master text styles</a:t>
             </a:r>
+            <a:endParaRPr lang="en-US"/>
           </a:p>
           <a:p>
             <a:pPr lvl="1"/>
@@ -619,6 +538,7 @@
               <a:rPr lang="en-US"/>
               <a:t>Second level</a:t>
             </a:r>
+            <a:endParaRPr lang="en-US"/>
           </a:p>
           <a:p>
             <a:pPr lvl="2"/>
@@ -626,6 +546,7 @@
               <a:rPr lang="en-US"/>
               <a:t>Third level</a:t>
             </a:r>
+            <a:endParaRPr lang="en-US"/>
           </a:p>
           <a:p>
             <a:pPr lvl="3"/>
@@ -633,6 +554,7 @@
               <a:rPr lang="en-US"/>
               <a:t>Fourth level</a:t>
             </a:r>
+            <a:endParaRPr lang="en-US"/>
           </a:p>
           <a:p>
             <a:pPr lvl="4"/>
@@ -640,19 +562,13 @@
               <a:rPr lang="en-US"/>
               <a:t>Fifth level</a:t>
             </a:r>
-            <a:endParaRPr lang="en-CN"/>
-          </a:p>
-        </p:txBody>
-      </p:sp>
-      <p:sp>
-        <p:nvSpPr>
-          <p:cNvPr id="4" name="Date Placeholder 3">
-            <a:extLst>
-              <a:ext uri="{FF2B5EF4-FFF2-40B4-BE49-F238E27FC236}">
-                <a16:creationId xmlns:a16="http://schemas.microsoft.com/office/drawing/2014/main" id="{4EDBD7E9-F668-53EB-D1B4-E5168CDDB4D0}"/>
-              </a:ext>
-            </a:extLst>
-          </p:cNvPr>
+            <a:endParaRPr lang="en-US"/>
+          </a:p>
+        </p:txBody>
+      </p:sp>
+      <p:sp>
+        <p:nvSpPr>
+          <p:cNvPr id="4" name="Date Placeholder 3"/>
           <p:cNvSpPr>
             <a:spLocks noGrp="1"/>
           </p:cNvSpPr>
@@ -666,22 +582,15 @@
           <a:lstStyle/>
           <a:p>
             <a:fld id="{FA0443F5-0765-FD47-89E8-FDED27B1F8A5}" type="datetimeFigureOut">
-              <a:rPr lang="en-CN" smtClean="0"/>
-              <a:t>2022/10/18</a:t>
+              <a:rPr lang="en-US" smtClean="0"/>
             </a:fld>
-            <a:endParaRPr lang="en-CN"/>
-          </a:p>
-        </p:txBody>
-      </p:sp>
-      <p:sp>
-        <p:nvSpPr>
-          <p:cNvPr id="5" name="Footer Placeholder 4">
-            <a:extLst>
-              <a:ext uri="{FF2B5EF4-FFF2-40B4-BE49-F238E27FC236}">
-                <a16:creationId xmlns:a16="http://schemas.microsoft.com/office/drawing/2014/main" id="{C4A69C5D-5A65-0CFD-601B-6938F0B2D858}"/>
-              </a:ext>
-            </a:extLst>
-          </p:cNvPr>
+            <a:endParaRPr lang="en-US"/>
+          </a:p>
+        </p:txBody>
+      </p:sp>
+      <p:sp>
+        <p:nvSpPr>
+          <p:cNvPr id="5" name="Footer Placeholder 4"/>
           <p:cNvSpPr>
             <a:spLocks noGrp="1"/>
           </p:cNvSpPr>
@@ -694,19 +603,13 @@
           <a:bodyPr/>
           <a:lstStyle/>
           <a:p>
-            <a:endParaRPr lang="en-CN"/>
-          </a:p>
-        </p:txBody>
-      </p:sp>
-      <p:sp>
-        <p:nvSpPr>
-          <p:cNvPr id="6" name="Slide Number Placeholder 5">
-            <a:extLst>
-              <a:ext uri="{FF2B5EF4-FFF2-40B4-BE49-F238E27FC236}">
-                <a16:creationId xmlns:a16="http://schemas.microsoft.com/office/drawing/2014/main" id="{CE9DA2CE-571E-A553-11D7-24D6A31ECE66}"/>
-              </a:ext>
-            </a:extLst>
-          </p:cNvPr>
+            <a:endParaRPr lang="en-US"/>
+          </a:p>
+        </p:txBody>
+      </p:sp>
+      <p:sp>
+        <p:nvSpPr>
+          <p:cNvPr id="6" name="Slide Number Placeholder 5"/>
           <p:cNvSpPr>
             <a:spLocks noGrp="1"/>
           </p:cNvSpPr>
@@ -720,19 +623,13 @@
           <a:lstStyle/>
           <a:p>
             <a:fld id="{5143AB2A-8178-FF44-B866-5C106E9D85E1}" type="slidenum">
-              <a:rPr lang="en-CN" smtClean="0"/>
-              <a:t>‹#›</a:t>
+              <a:rPr lang="en-US" smtClean="0"/>
             </a:fld>
-            <a:endParaRPr lang="en-CN"/>
+            <a:endParaRPr lang="en-US"/>
           </a:p>
         </p:txBody>
       </p:sp>
     </p:spTree>
-    <p:extLst>
-      <p:ext uri="{BB962C8B-B14F-4D97-AF65-F5344CB8AC3E}">
-        <p14:creationId xmlns:p14="http://schemas.microsoft.com/office/powerpoint/2010/main" val="2324257963"/>
-      </p:ext>
-    </p:extLst>
   </p:cSld>
   <p:clrMapOvr>
     <a:masterClrMapping/>
@@ -759,13 +656,7 @@
       </p:grpSpPr>
       <p:sp>
         <p:nvSpPr>
-          <p:cNvPr id="2" name="Title 1">
-            <a:extLst>
-              <a:ext uri="{FF2B5EF4-FFF2-40B4-BE49-F238E27FC236}">
-                <a16:creationId xmlns:a16="http://schemas.microsoft.com/office/drawing/2014/main" id="{86240FB1-ED29-02D3-FC42-75AE6C4AB7E7}"/>
-              </a:ext>
-            </a:extLst>
-          </p:cNvPr>
+          <p:cNvPr id="2" name="Title 1"/>
           <p:cNvSpPr>
             <a:spLocks noGrp="1"/>
           </p:cNvSpPr>
@@ -782,19 +673,13 @@
               <a:rPr lang="en-US"/>
               <a:t>Click to edit Master title style</a:t>
             </a:r>
-            <a:endParaRPr lang="en-CN"/>
-          </a:p>
-        </p:txBody>
-      </p:sp>
-      <p:sp>
-        <p:nvSpPr>
-          <p:cNvPr id="3" name="Content Placeholder 2">
-            <a:extLst>
-              <a:ext uri="{FF2B5EF4-FFF2-40B4-BE49-F238E27FC236}">
-                <a16:creationId xmlns:a16="http://schemas.microsoft.com/office/drawing/2014/main" id="{FB1FE9AC-6243-2B23-E3B0-DD7DC2DA5194}"/>
-              </a:ext>
-            </a:extLst>
-          </p:cNvPr>
+            <a:endParaRPr lang="en-US"/>
+          </a:p>
+        </p:txBody>
+      </p:sp>
+      <p:sp>
+        <p:nvSpPr>
+          <p:cNvPr id="3" name="Content Placeholder 2"/>
           <p:cNvSpPr>
             <a:spLocks noGrp="1"/>
           </p:cNvSpPr>
@@ -812,6 +697,7 @@
               <a:rPr lang="en-US"/>
               <a:t>Click to edit Master text styles</a:t>
             </a:r>
+            <a:endParaRPr lang="en-US"/>
           </a:p>
           <a:p>
             <a:pPr lvl="1"/>
@@ -819,6 +705,7 @@
               <a:rPr lang="en-US"/>
               <a:t>Second level</a:t>
             </a:r>
+            <a:endParaRPr lang="en-US"/>
           </a:p>
           <a:p>
             <a:pPr lvl="2"/>
@@ -826,6 +713,7 @@
               <a:rPr lang="en-US"/>
               <a:t>Third level</a:t>
             </a:r>
+            <a:endParaRPr lang="en-US"/>
           </a:p>
           <a:p>
             <a:pPr lvl="3"/>
@@ -833,6 +721,7 @@
               <a:rPr lang="en-US"/>
               <a:t>Fourth level</a:t>
             </a:r>
+            <a:endParaRPr lang="en-US"/>
           </a:p>
           <a:p>
             <a:pPr lvl="4"/>
@@ -840,19 +729,13 @@
               <a:rPr lang="en-US"/>
               <a:t>Fifth level</a:t>
             </a:r>
-            <a:endParaRPr lang="en-CN"/>
-          </a:p>
-        </p:txBody>
-      </p:sp>
-      <p:sp>
-        <p:nvSpPr>
-          <p:cNvPr id="4" name="Date Placeholder 3">
-            <a:extLst>
-              <a:ext uri="{FF2B5EF4-FFF2-40B4-BE49-F238E27FC236}">
-                <a16:creationId xmlns:a16="http://schemas.microsoft.com/office/drawing/2014/main" id="{0D6247F8-D850-6E14-7389-69F4C6AFCEC7}"/>
-              </a:ext>
-            </a:extLst>
-          </p:cNvPr>
+            <a:endParaRPr lang="en-US"/>
+          </a:p>
+        </p:txBody>
+      </p:sp>
+      <p:sp>
+        <p:nvSpPr>
+          <p:cNvPr id="4" name="Date Placeholder 3"/>
           <p:cNvSpPr>
             <a:spLocks noGrp="1"/>
           </p:cNvSpPr>
@@ -866,22 +749,15 @@
           <a:lstStyle/>
           <a:p>
             <a:fld id="{FA0443F5-0765-FD47-89E8-FDED27B1F8A5}" type="datetimeFigureOut">
-              <a:rPr lang="en-CN" smtClean="0"/>
-              <a:t>2022/10/18</a:t>
+              <a:rPr lang="en-US" smtClean="0"/>
             </a:fld>
-            <a:endParaRPr lang="en-CN"/>
-          </a:p>
-        </p:txBody>
-      </p:sp>
-      <p:sp>
-        <p:nvSpPr>
-          <p:cNvPr id="5" name="Footer Placeholder 4">
-            <a:extLst>
-              <a:ext uri="{FF2B5EF4-FFF2-40B4-BE49-F238E27FC236}">
-                <a16:creationId xmlns:a16="http://schemas.microsoft.com/office/drawing/2014/main" id="{669EB3DE-BCC5-742F-5B27-0B4334CCA120}"/>
-              </a:ext>
-            </a:extLst>
-          </p:cNvPr>
+            <a:endParaRPr lang="en-US"/>
+          </a:p>
+        </p:txBody>
+      </p:sp>
+      <p:sp>
+        <p:nvSpPr>
+          <p:cNvPr id="5" name="Footer Placeholder 4"/>
           <p:cNvSpPr>
             <a:spLocks noGrp="1"/>
           </p:cNvSpPr>
@@ -894,19 +770,13 @@
           <a:bodyPr/>
           <a:lstStyle/>
           <a:p>
-            <a:endParaRPr lang="en-CN"/>
-          </a:p>
-        </p:txBody>
-      </p:sp>
-      <p:sp>
-        <p:nvSpPr>
-          <p:cNvPr id="6" name="Slide Number Placeholder 5">
-            <a:extLst>
-              <a:ext uri="{FF2B5EF4-FFF2-40B4-BE49-F238E27FC236}">
-                <a16:creationId xmlns:a16="http://schemas.microsoft.com/office/drawing/2014/main" id="{44DD588C-0D20-EE7C-2ED9-1C007357FF41}"/>
-              </a:ext>
-            </a:extLst>
-          </p:cNvPr>
+            <a:endParaRPr lang="en-US"/>
+          </a:p>
+        </p:txBody>
+      </p:sp>
+      <p:sp>
+        <p:nvSpPr>
+          <p:cNvPr id="6" name="Slide Number Placeholder 5"/>
           <p:cNvSpPr>
             <a:spLocks noGrp="1"/>
           </p:cNvSpPr>
@@ -920,19 +790,13 @@
           <a:lstStyle/>
           <a:p>
             <a:fld id="{5143AB2A-8178-FF44-B866-5C106E9D85E1}" type="slidenum">
-              <a:rPr lang="en-CN" smtClean="0"/>
-              <a:t>‹#›</a:t>
+              <a:rPr lang="en-US" smtClean="0"/>
             </a:fld>
-            <a:endParaRPr lang="en-CN"/>
+            <a:endParaRPr lang="en-US"/>
           </a:p>
         </p:txBody>
       </p:sp>
     </p:spTree>
-    <p:extLst>
-      <p:ext uri="{BB962C8B-B14F-4D97-AF65-F5344CB8AC3E}">
-        <p14:creationId xmlns:p14="http://schemas.microsoft.com/office/powerpoint/2010/main" val="3315330229"/>
-      </p:ext>
-    </p:extLst>
   </p:cSld>
   <p:clrMapOvr>
     <a:masterClrMapping/>
@@ -959,13 +823,7 @@
       </p:grpSpPr>
       <p:sp>
         <p:nvSpPr>
-          <p:cNvPr id="2" name="Title 1">
-            <a:extLst>
-              <a:ext uri="{FF2B5EF4-FFF2-40B4-BE49-F238E27FC236}">
-                <a16:creationId xmlns:a16="http://schemas.microsoft.com/office/drawing/2014/main" id="{B8633321-91B4-6625-A031-1013AD8BDE76}"/>
-              </a:ext>
-            </a:extLst>
-          </p:cNvPr>
+          <p:cNvPr id="2" name="Title 1"/>
           <p:cNvSpPr>
             <a:spLocks noGrp="1"/>
           </p:cNvSpPr>
@@ -991,19 +849,13 @@
               <a:rPr lang="en-US"/>
               <a:t>Click to edit Master title style</a:t>
             </a:r>
-            <a:endParaRPr lang="en-CN"/>
-          </a:p>
-        </p:txBody>
-      </p:sp>
-      <p:sp>
-        <p:nvSpPr>
-          <p:cNvPr id="3" name="Text Placeholder 2">
-            <a:extLst>
-              <a:ext uri="{FF2B5EF4-FFF2-40B4-BE49-F238E27FC236}">
-                <a16:creationId xmlns:a16="http://schemas.microsoft.com/office/drawing/2014/main" id="{DF352F03-1002-D875-9021-BA6811D16462}"/>
-              </a:ext>
-            </a:extLst>
-          </p:cNvPr>
+            <a:endParaRPr lang="en-US"/>
+          </a:p>
+        </p:txBody>
+      </p:sp>
+      <p:sp>
+        <p:nvSpPr>
+          <p:cNvPr id="3" name="Text Placeholder 2"/>
           <p:cNvSpPr>
             <a:spLocks noGrp="1"/>
           </p:cNvSpPr>
@@ -1117,18 +969,13 @@
               <a:rPr lang="en-US"/>
               <a:t>Click to edit Master text styles</a:t>
             </a:r>
-          </a:p>
-        </p:txBody>
-      </p:sp>
-      <p:sp>
-        <p:nvSpPr>
-          <p:cNvPr id="4" name="Date Placeholder 3">
-            <a:extLst>
-              <a:ext uri="{FF2B5EF4-FFF2-40B4-BE49-F238E27FC236}">
-                <a16:creationId xmlns:a16="http://schemas.microsoft.com/office/drawing/2014/main" id="{996F783D-2644-5568-D2AA-223FD8A02450}"/>
-              </a:ext>
-            </a:extLst>
-          </p:cNvPr>
+            <a:endParaRPr lang="en-US"/>
+          </a:p>
+        </p:txBody>
+      </p:sp>
+      <p:sp>
+        <p:nvSpPr>
+          <p:cNvPr id="4" name="Date Placeholder 3"/>
           <p:cNvSpPr>
             <a:spLocks noGrp="1"/>
           </p:cNvSpPr>
@@ -1142,22 +989,15 @@
           <a:lstStyle/>
           <a:p>
             <a:fld id="{FA0443F5-0765-FD47-89E8-FDED27B1F8A5}" type="datetimeFigureOut">
-              <a:rPr lang="en-CN" smtClean="0"/>
-              <a:t>2022/10/18</a:t>
+              <a:rPr lang="en-US" smtClean="0"/>
             </a:fld>
-            <a:endParaRPr lang="en-CN"/>
-          </a:p>
-        </p:txBody>
-      </p:sp>
-      <p:sp>
-        <p:nvSpPr>
-          <p:cNvPr id="5" name="Footer Placeholder 4">
-            <a:extLst>
-              <a:ext uri="{FF2B5EF4-FFF2-40B4-BE49-F238E27FC236}">
-                <a16:creationId xmlns:a16="http://schemas.microsoft.com/office/drawing/2014/main" id="{56831980-3DB6-452C-93D9-766FF0782A57}"/>
-              </a:ext>
-            </a:extLst>
-          </p:cNvPr>
+            <a:endParaRPr lang="en-US"/>
+          </a:p>
+        </p:txBody>
+      </p:sp>
+      <p:sp>
+        <p:nvSpPr>
+          <p:cNvPr id="5" name="Footer Placeholder 4"/>
           <p:cNvSpPr>
             <a:spLocks noGrp="1"/>
           </p:cNvSpPr>
@@ -1170,19 +1010,13 @@
           <a:bodyPr/>
           <a:lstStyle/>
           <a:p>
-            <a:endParaRPr lang="en-CN"/>
-          </a:p>
-        </p:txBody>
-      </p:sp>
-      <p:sp>
-        <p:nvSpPr>
-          <p:cNvPr id="6" name="Slide Number Placeholder 5">
-            <a:extLst>
-              <a:ext uri="{FF2B5EF4-FFF2-40B4-BE49-F238E27FC236}">
-                <a16:creationId xmlns:a16="http://schemas.microsoft.com/office/drawing/2014/main" id="{238C9B4F-55B5-9FA6-A823-ED69ECF25559}"/>
-              </a:ext>
-            </a:extLst>
-          </p:cNvPr>
+            <a:endParaRPr lang="en-US"/>
+          </a:p>
+        </p:txBody>
+      </p:sp>
+      <p:sp>
+        <p:nvSpPr>
+          <p:cNvPr id="6" name="Slide Number Placeholder 5"/>
           <p:cNvSpPr>
             <a:spLocks noGrp="1"/>
           </p:cNvSpPr>
@@ -1196,19 +1030,13 @@
           <a:lstStyle/>
           <a:p>
             <a:fld id="{5143AB2A-8178-FF44-B866-5C106E9D85E1}" type="slidenum">
-              <a:rPr lang="en-CN" smtClean="0"/>
-              <a:t>‹#›</a:t>
+              <a:rPr lang="en-US" smtClean="0"/>
             </a:fld>
-            <a:endParaRPr lang="en-CN"/>
+            <a:endParaRPr lang="en-US"/>
           </a:p>
         </p:txBody>
       </p:sp>
     </p:spTree>
-    <p:extLst>
-      <p:ext uri="{BB962C8B-B14F-4D97-AF65-F5344CB8AC3E}">
-        <p14:creationId xmlns:p14="http://schemas.microsoft.com/office/powerpoint/2010/main" val="4005274403"/>
-      </p:ext>
-    </p:extLst>
   </p:cSld>
   <p:clrMapOvr>
     <a:masterClrMapping/>
@@ -1235,13 +1063,7 @@
       </p:grpSpPr>
       <p:sp>
         <p:nvSpPr>
-          <p:cNvPr id="2" name="Title 1">
-            <a:extLst>
-              <a:ext uri="{FF2B5EF4-FFF2-40B4-BE49-F238E27FC236}">
-                <a16:creationId xmlns:a16="http://schemas.microsoft.com/office/drawing/2014/main" id="{A65795D8-9537-108D-9D86-08E229FA420D}"/>
-              </a:ext>
-            </a:extLst>
-          </p:cNvPr>
+          <p:cNvPr id="2" name="Title 1"/>
           <p:cNvSpPr>
             <a:spLocks noGrp="1"/>
           </p:cNvSpPr>
@@ -1258,19 +1080,13 @@
               <a:rPr lang="en-US"/>
               <a:t>Click to edit Master title style</a:t>
             </a:r>
-            <a:endParaRPr lang="en-CN"/>
-          </a:p>
-        </p:txBody>
-      </p:sp>
-      <p:sp>
-        <p:nvSpPr>
-          <p:cNvPr id="3" name="Content Placeholder 2">
-            <a:extLst>
-              <a:ext uri="{FF2B5EF4-FFF2-40B4-BE49-F238E27FC236}">
-                <a16:creationId xmlns:a16="http://schemas.microsoft.com/office/drawing/2014/main" id="{ED1079DF-81FA-2925-219F-B2BD7F9FA151}"/>
-              </a:ext>
-            </a:extLst>
-          </p:cNvPr>
+            <a:endParaRPr lang="en-US"/>
+          </a:p>
+        </p:txBody>
+      </p:sp>
+      <p:sp>
+        <p:nvSpPr>
+          <p:cNvPr id="3" name="Content Placeholder 2"/>
           <p:cNvSpPr>
             <a:spLocks noGrp="1"/>
           </p:cNvSpPr>
@@ -1293,6 +1109,7 @@
               <a:rPr lang="en-US"/>
               <a:t>Click to edit Master text styles</a:t>
             </a:r>
+            <a:endParaRPr lang="en-US"/>
           </a:p>
           <a:p>
             <a:pPr lvl="1"/>
@@ -1300,6 +1117,7 @@
               <a:rPr lang="en-US"/>
               <a:t>Second level</a:t>
             </a:r>
+            <a:endParaRPr lang="en-US"/>
           </a:p>
           <a:p>
             <a:pPr lvl="2"/>
@@ -1307,6 +1125,7 @@
               <a:rPr lang="en-US"/>
               <a:t>Third level</a:t>
             </a:r>
+            <a:endParaRPr lang="en-US"/>
           </a:p>
           <a:p>
             <a:pPr lvl="3"/>
@@ -1314,6 +1133,7 @@
               <a:rPr lang="en-US"/>
               <a:t>Fourth level</a:t>
             </a:r>
+            <a:endParaRPr lang="en-US"/>
           </a:p>
           <a:p>
             <a:pPr lvl="4"/>
@@ -1321,19 +1141,13 @@
               <a:rPr lang="en-US"/>
               <a:t>Fifth level</a:t>
             </a:r>
-            <a:endParaRPr lang="en-CN"/>
-          </a:p>
-        </p:txBody>
-      </p:sp>
-      <p:sp>
-        <p:nvSpPr>
-          <p:cNvPr id="4" name="Content Placeholder 3">
-            <a:extLst>
-              <a:ext uri="{FF2B5EF4-FFF2-40B4-BE49-F238E27FC236}">
-                <a16:creationId xmlns:a16="http://schemas.microsoft.com/office/drawing/2014/main" id="{7827A95B-1E9D-FBCD-2B54-BEE699ACDB57}"/>
-              </a:ext>
-            </a:extLst>
-          </p:cNvPr>
+            <a:endParaRPr lang="en-US"/>
+          </a:p>
+        </p:txBody>
+      </p:sp>
+      <p:sp>
+        <p:nvSpPr>
+          <p:cNvPr id="4" name="Content Placeholder 3"/>
           <p:cNvSpPr>
             <a:spLocks noGrp="1"/>
           </p:cNvSpPr>
@@ -1356,6 +1170,7 @@
               <a:rPr lang="en-US"/>
               <a:t>Click to edit Master text styles</a:t>
             </a:r>
+            <a:endParaRPr lang="en-US"/>
           </a:p>
           <a:p>
             <a:pPr lvl="1"/>
@@ -1363,6 +1178,7 @@
               <a:rPr lang="en-US"/>
               <a:t>Second level</a:t>
             </a:r>
+            <a:endParaRPr lang="en-US"/>
           </a:p>
           <a:p>
             <a:pPr lvl="2"/>
@@ -1370,6 +1186,7 @@
               <a:rPr lang="en-US"/>
               <a:t>Third level</a:t>
             </a:r>
+            <a:endParaRPr lang="en-US"/>
           </a:p>
           <a:p>
             <a:pPr lvl="3"/>
@@ -1377,6 +1194,7 @@
               <a:rPr lang="en-US"/>
               <a:t>Fourth level</a:t>
             </a:r>
+            <a:endParaRPr lang="en-US"/>
           </a:p>
           <a:p>
             <a:pPr lvl="4"/>
@@ -1384,19 +1202,13 @@
               <a:rPr lang="en-US"/>
               <a:t>Fifth level</a:t>
             </a:r>
-            <a:endParaRPr lang="en-CN"/>
-          </a:p>
-        </p:txBody>
-      </p:sp>
-      <p:sp>
-        <p:nvSpPr>
-          <p:cNvPr id="5" name="Date Placeholder 4">
-            <a:extLst>
-              <a:ext uri="{FF2B5EF4-FFF2-40B4-BE49-F238E27FC236}">
-                <a16:creationId xmlns:a16="http://schemas.microsoft.com/office/drawing/2014/main" id="{6262D614-6EB3-3D57-3A5D-9DA2A9742E7B}"/>
-              </a:ext>
-            </a:extLst>
-          </p:cNvPr>
+            <a:endParaRPr lang="en-US"/>
+          </a:p>
+        </p:txBody>
+      </p:sp>
+      <p:sp>
+        <p:nvSpPr>
+          <p:cNvPr id="5" name="Date Placeholder 4"/>
           <p:cNvSpPr>
             <a:spLocks noGrp="1"/>
           </p:cNvSpPr>
@@ -1410,22 +1222,15 @@
           <a:lstStyle/>
           <a:p>
             <a:fld id="{FA0443F5-0765-FD47-89E8-FDED27B1F8A5}" type="datetimeFigureOut">
-              <a:rPr lang="en-CN" smtClean="0"/>
-              <a:t>2022/10/18</a:t>
+              <a:rPr lang="en-US" smtClean="0"/>
             </a:fld>
-            <a:endParaRPr lang="en-CN"/>
-          </a:p>
-        </p:txBody>
-      </p:sp>
-      <p:sp>
-        <p:nvSpPr>
-          <p:cNvPr id="6" name="Footer Placeholder 5">
-            <a:extLst>
-              <a:ext uri="{FF2B5EF4-FFF2-40B4-BE49-F238E27FC236}">
-                <a16:creationId xmlns:a16="http://schemas.microsoft.com/office/drawing/2014/main" id="{5412055B-EFD3-3C27-1E74-98949623AC1B}"/>
-              </a:ext>
-            </a:extLst>
-          </p:cNvPr>
+            <a:endParaRPr lang="en-US"/>
+          </a:p>
+        </p:txBody>
+      </p:sp>
+      <p:sp>
+        <p:nvSpPr>
+          <p:cNvPr id="6" name="Footer Placeholder 5"/>
           <p:cNvSpPr>
             <a:spLocks noGrp="1"/>
           </p:cNvSpPr>
@@ -1438,19 +1243,13 @@
           <a:bodyPr/>
           <a:lstStyle/>
           <a:p>
-            <a:endParaRPr lang="en-CN"/>
-          </a:p>
-        </p:txBody>
-      </p:sp>
-      <p:sp>
-        <p:nvSpPr>
-          <p:cNvPr id="7" name="Slide Number Placeholder 6">
-            <a:extLst>
-              <a:ext uri="{FF2B5EF4-FFF2-40B4-BE49-F238E27FC236}">
-                <a16:creationId xmlns:a16="http://schemas.microsoft.com/office/drawing/2014/main" id="{28F1844D-8903-3E89-25A2-168EC88F231F}"/>
-              </a:ext>
-            </a:extLst>
-          </p:cNvPr>
+            <a:endParaRPr lang="en-US"/>
+          </a:p>
+        </p:txBody>
+      </p:sp>
+      <p:sp>
+        <p:nvSpPr>
+          <p:cNvPr id="7" name="Slide Number Placeholder 6"/>
           <p:cNvSpPr>
             <a:spLocks noGrp="1"/>
           </p:cNvSpPr>
@@ -1464,19 +1263,13 @@
           <a:lstStyle/>
           <a:p>
             <a:fld id="{5143AB2A-8178-FF44-B866-5C106E9D85E1}" type="slidenum">
-              <a:rPr lang="en-CN" smtClean="0"/>
-              <a:t>‹#›</a:t>
+              <a:rPr lang="en-US" smtClean="0"/>
             </a:fld>
-            <a:endParaRPr lang="en-CN"/>
+            <a:endParaRPr lang="en-US"/>
           </a:p>
         </p:txBody>
       </p:sp>
     </p:spTree>
-    <p:extLst>
-      <p:ext uri="{BB962C8B-B14F-4D97-AF65-F5344CB8AC3E}">
-        <p14:creationId xmlns:p14="http://schemas.microsoft.com/office/powerpoint/2010/main" val="106545563"/>
-      </p:ext>
-    </p:extLst>
   </p:cSld>
   <p:clrMapOvr>
     <a:masterClrMapping/>
@@ -1503,13 +1296,7 @@
       </p:grpSpPr>
       <p:sp>
         <p:nvSpPr>
-          <p:cNvPr id="2" name="Title 1">
-            <a:extLst>
-              <a:ext uri="{FF2B5EF4-FFF2-40B4-BE49-F238E27FC236}">
-                <a16:creationId xmlns:a16="http://schemas.microsoft.com/office/drawing/2014/main" id="{54BB5003-8E55-F35B-C16E-641E6655F1BB}"/>
-              </a:ext>
-            </a:extLst>
-          </p:cNvPr>
+          <p:cNvPr id="2" name="Title 1"/>
           <p:cNvSpPr>
             <a:spLocks noGrp="1"/>
           </p:cNvSpPr>
@@ -1531,19 +1318,13 @@
               <a:rPr lang="en-US"/>
               <a:t>Click to edit Master title style</a:t>
             </a:r>
-            <a:endParaRPr lang="en-CN"/>
-          </a:p>
-        </p:txBody>
-      </p:sp>
-      <p:sp>
-        <p:nvSpPr>
-          <p:cNvPr id="3" name="Text Placeholder 2">
-            <a:extLst>
-              <a:ext uri="{FF2B5EF4-FFF2-40B4-BE49-F238E27FC236}">
-                <a16:creationId xmlns:a16="http://schemas.microsoft.com/office/drawing/2014/main" id="{1D1D75C8-0DA0-74E3-9065-5C38E7C2E4C3}"/>
-              </a:ext>
-            </a:extLst>
-          </p:cNvPr>
+            <a:endParaRPr lang="en-US"/>
+          </a:p>
+        </p:txBody>
+      </p:sp>
+      <p:sp>
+        <p:nvSpPr>
+          <p:cNvPr id="3" name="Text Placeholder 2"/>
           <p:cNvSpPr>
             <a:spLocks noGrp="1"/>
           </p:cNvSpPr>
@@ -1603,18 +1384,13 @@
               <a:rPr lang="en-US"/>
               <a:t>Click to edit Master text styles</a:t>
             </a:r>
-          </a:p>
-        </p:txBody>
-      </p:sp>
-      <p:sp>
-        <p:nvSpPr>
-          <p:cNvPr id="4" name="Content Placeholder 3">
-            <a:extLst>
-              <a:ext uri="{FF2B5EF4-FFF2-40B4-BE49-F238E27FC236}">
-                <a16:creationId xmlns:a16="http://schemas.microsoft.com/office/drawing/2014/main" id="{432B2FC6-E492-6790-F74B-61A6B24DDB35}"/>
-              </a:ext>
-            </a:extLst>
-          </p:cNvPr>
+            <a:endParaRPr lang="en-US"/>
+          </a:p>
+        </p:txBody>
+      </p:sp>
+      <p:sp>
+        <p:nvSpPr>
+          <p:cNvPr id="4" name="Content Placeholder 3"/>
           <p:cNvSpPr>
             <a:spLocks noGrp="1"/>
           </p:cNvSpPr>
@@ -1637,6 +1413,7 @@
               <a:rPr lang="en-US"/>
               <a:t>Click to edit Master text styles</a:t>
             </a:r>
+            <a:endParaRPr lang="en-US"/>
           </a:p>
           <a:p>
             <a:pPr lvl="1"/>
@@ -1644,6 +1421,7 @@
               <a:rPr lang="en-US"/>
               <a:t>Second level</a:t>
             </a:r>
+            <a:endParaRPr lang="en-US"/>
           </a:p>
           <a:p>
             <a:pPr lvl="2"/>
@@ -1651,6 +1429,7 @@
               <a:rPr lang="en-US"/>
               <a:t>Third level</a:t>
             </a:r>
+            <a:endParaRPr lang="en-US"/>
           </a:p>
           <a:p>
             <a:pPr lvl="3"/>
@@ -1658,6 +1437,7 @@
               <a:rPr lang="en-US"/>
               <a:t>Fourth level</a:t>
             </a:r>
+            <a:endParaRPr lang="en-US"/>
           </a:p>
           <a:p>
             <a:pPr lvl="4"/>
@@ -1665,19 +1445,13 @@
               <a:rPr lang="en-US"/>
               <a:t>Fifth level</a:t>
             </a:r>
-            <a:endParaRPr lang="en-CN"/>
-          </a:p>
-        </p:txBody>
-      </p:sp>
-      <p:sp>
-        <p:nvSpPr>
-          <p:cNvPr id="5" name="Text Placeholder 4">
-            <a:extLst>
-              <a:ext uri="{FF2B5EF4-FFF2-40B4-BE49-F238E27FC236}">
-                <a16:creationId xmlns:a16="http://schemas.microsoft.com/office/drawing/2014/main" id="{670A48B8-7249-51F9-675E-FA21CBB5D523}"/>
-              </a:ext>
-            </a:extLst>
-          </p:cNvPr>
+            <a:endParaRPr lang="en-US"/>
+          </a:p>
+        </p:txBody>
+      </p:sp>
+      <p:sp>
+        <p:nvSpPr>
+          <p:cNvPr id="5" name="Text Placeholder 4"/>
           <p:cNvSpPr>
             <a:spLocks noGrp="1"/>
           </p:cNvSpPr>
@@ -1737,18 +1511,13 @@
               <a:rPr lang="en-US"/>
               <a:t>Click to edit Master text styles</a:t>
             </a:r>
-          </a:p>
-        </p:txBody>
-      </p:sp>
-      <p:sp>
-        <p:nvSpPr>
-          <p:cNvPr id="6" name="Content Placeholder 5">
-            <a:extLst>
-              <a:ext uri="{FF2B5EF4-FFF2-40B4-BE49-F238E27FC236}">
-                <a16:creationId xmlns:a16="http://schemas.microsoft.com/office/drawing/2014/main" id="{7CA0319F-A534-2943-7DCE-02D667BA8F55}"/>
-              </a:ext>
-            </a:extLst>
-          </p:cNvPr>
+            <a:endParaRPr lang="en-US"/>
+          </a:p>
+        </p:txBody>
+      </p:sp>
+      <p:sp>
+        <p:nvSpPr>
+          <p:cNvPr id="6" name="Content Placeholder 5"/>
           <p:cNvSpPr>
             <a:spLocks noGrp="1"/>
           </p:cNvSpPr>
@@ -1771,6 +1540,7 @@
               <a:rPr lang="en-US"/>
               <a:t>Click to edit Master text styles</a:t>
             </a:r>
+            <a:endParaRPr lang="en-US"/>
           </a:p>
           <a:p>
             <a:pPr lvl="1"/>
@@ -1778,6 +1548,7 @@
               <a:rPr lang="en-US"/>
               <a:t>Second level</a:t>
             </a:r>
+            <a:endParaRPr lang="en-US"/>
           </a:p>
           <a:p>
             <a:pPr lvl="2"/>
@@ -1785,6 +1556,7 @@
               <a:rPr lang="en-US"/>
               <a:t>Third level</a:t>
             </a:r>
+            <a:endParaRPr lang="en-US"/>
           </a:p>
           <a:p>
             <a:pPr lvl="3"/>
@@ -1792,6 +1564,7 @@
               <a:rPr lang="en-US"/>
               <a:t>Fourth level</a:t>
             </a:r>
+            <a:endParaRPr lang="en-US"/>
           </a:p>
           <a:p>
             <a:pPr lvl="4"/>
@@ -1799,19 +1572,13 @@
               <a:rPr lang="en-US"/>
               <a:t>Fifth level</a:t>
             </a:r>
-            <a:endParaRPr lang="en-CN"/>
-          </a:p>
-        </p:txBody>
-      </p:sp>
-      <p:sp>
-        <p:nvSpPr>
-          <p:cNvPr id="7" name="Date Placeholder 6">
-            <a:extLst>
-              <a:ext uri="{FF2B5EF4-FFF2-40B4-BE49-F238E27FC236}">
-                <a16:creationId xmlns:a16="http://schemas.microsoft.com/office/drawing/2014/main" id="{B5D65A4F-B5AB-3AAD-D7EF-B781376B10B9}"/>
-              </a:ext>
-            </a:extLst>
-          </p:cNvPr>
+            <a:endParaRPr lang="en-US"/>
+          </a:p>
+        </p:txBody>
+      </p:sp>
+      <p:sp>
+        <p:nvSpPr>
+          <p:cNvPr id="7" name="Date Placeholder 6"/>
           <p:cNvSpPr>
             <a:spLocks noGrp="1"/>
           </p:cNvSpPr>
@@ -1825,22 +1592,15 @@
           <a:lstStyle/>
           <a:p>
             <a:fld id="{FA0443F5-0765-FD47-89E8-FDED27B1F8A5}" type="datetimeFigureOut">
-              <a:rPr lang="en-CN" smtClean="0"/>
-              <a:t>2022/10/18</a:t>
+              <a:rPr lang="en-US" smtClean="0"/>
             </a:fld>
-            <a:endParaRPr lang="en-CN"/>
-          </a:p>
-        </p:txBody>
-      </p:sp>
-      <p:sp>
-        <p:nvSpPr>
-          <p:cNvPr id="8" name="Footer Placeholder 7">
-            <a:extLst>
-              <a:ext uri="{FF2B5EF4-FFF2-40B4-BE49-F238E27FC236}">
-                <a16:creationId xmlns:a16="http://schemas.microsoft.com/office/drawing/2014/main" id="{F04737AF-1322-0B15-C3AC-B76AC961D5CC}"/>
-              </a:ext>
-            </a:extLst>
-          </p:cNvPr>
+            <a:endParaRPr lang="en-US"/>
+          </a:p>
+        </p:txBody>
+      </p:sp>
+      <p:sp>
+        <p:nvSpPr>
+          <p:cNvPr id="8" name="Footer Placeholder 7"/>
           <p:cNvSpPr>
             <a:spLocks noGrp="1"/>
           </p:cNvSpPr>
@@ -1853,19 +1613,13 @@
           <a:bodyPr/>
           <a:lstStyle/>
           <a:p>
-            <a:endParaRPr lang="en-CN"/>
-          </a:p>
-        </p:txBody>
-      </p:sp>
-      <p:sp>
-        <p:nvSpPr>
-          <p:cNvPr id="9" name="Slide Number Placeholder 8">
-            <a:extLst>
-              <a:ext uri="{FF2B5EF4-FFF2-40B4-BE49-F238E27FC236}">
-                <a16:creationId xmlns:a16="http://schemas.microsoft.com/office/drawing/2014/main" id="{16D200C1-EFD6-892C-E942-9FDD3FF18332}"/>
-              </a:ext>
-            </a:extLst>
-          </p:cNvPr>
+            <a:endParaRPr lang="en-US"/>
+          </a:p>
+        </p:txBody>
+      </p:sp>
+      <p:sp>
+        <p:nvSpPr>
+          <p:cNvPr id="9" name="Slide Number Placeholder 8"/>
           <p:cNvSpPr>
             <a:spLocks noGrp="1"/>
           </p:cNvSpPr>
@@ -1879,19 +1633,13 @@
           <a:lstStyle/>
           <a:p>
             <a:fld id="{5143AB2A-8178-FF44-B866-5C106E9D85E1}" type="slidenum">
-              <a:rPr lang="en-CN" smtClean="0"/>
-              <a:t>‹#›</a:t>
+              <a:rPr lang="en-US" smtClean="0"/>
             </a:fld>
-            <a:endParaRPr lang="en-CN"/>
+            <a:endParaRPr lang="en-US"/>
           </a:p>
         </p:txBody>
       </p:sp>
     </p:spTree>
-    <p:extLst>
-      <p:ext uri="{BB962C8B-B14F-4D97-AF65-F5344CB8AC3E}">
-        <p14:creationId xmlns:p14="http://schemas.microsoft.com/office/powerpoint/2010/main" val="193161424"/>
-      </p:ext>
-    </p:extLst>
   </p:cSld>
   <p:clrMapOvr>
     <a:masterClrMapping/>
@@ -1918,13 +1666,7 @@
       </p:grpSpPr>
       <p:sp>
         <p:nvSpPr>
-          <p:cNvPr id="2" name="Title 1">
-            <a:extLst>
-              <a:ext uri="{FF2B5EF4-FFF2-40B4-BE49-F238E27FC236}">
-                <a16:creationId xmlns:a16="http://schemas.microsoft.com/office/drawing/2014/main" id="{AB94FAEF-4813-48E3-1658-E422E6C4C643}"/>
-              </a:ext>
-            </a:extLst>
-          </p:cNvPr>
+          <p:cNvPr id="2" name="Title 1"/>
           <p:cNvSpPr>
             <a:spLocks noGrp="1"/>
           </p:cNvSpPr>
@@ -1941,19 +1683,13 @@
               <a:rPr lang="en-US"/>
               <a:t>Click to edit Master title style</a:t>
             </a:r>
-            <a:endParaRPr lang="en-CN"/>
-          </a:p>
-        </p:txBody>
-      </p:sp>
-      <p:sp>
-        <p:nvSpPr>
-          <p:cNvPr id="3" name="Date Placeholder 2">
-            <a:extLst>
-              <a:ext uri="{FF2B5EF4-FFF2-40B4-BE49-F238E27FC236}">
-                <a16:creationId xmlns:a16="http://schemas.microsoft.com/office/drawing/2014/main" id="{8225C832-DCD9-B4B7-FEB7-B5AEBBF0ADC5}"/>
-              </a:ext>
-            </a:extLst>
-          </p:cNvPr>
+            <a:endParaRPr lang="en-US"/>
+          </a:p>
+        </p:txBody>
+      </p:sp>
+      <p:sp>
+        <p:nvSpPr>
+          <p:cNvPr id="3" name="Date Placeholder 2"/>
           <p:cNvSpPr>
             <a:spLocks noGrp="1"/>
           </p:cNvSpPr>
@@ -1967,22 +1703,15 @@
           <a:lstStyle/>
           <a:p>
             <a:fld id="{FA0443F5-0765-FD47-89E8-FDED27B1F8A5}" type="datetimeFigureOut">
-              <a:rPr lang="en-CN" smtClean="0"/>
-              <a:t>2022/10/18</a:t>
+              <a:rPr lang="en-US" smtClean="0"/>
             </a:fld>
-            <a:endParaRPr lang="en-CN"/>
-          </a:p>
-        </p:txBody>
-      </p:sp>
-      <p:sp>
-        <p:nvSpPr>
-          <p:cNvPr id="4" name="Footer Placeholder 3">
-            <a:extLst>
-              <a:ext uri="{FF2B5EF4-FFF2-40B4-BE49-F238E27FC236}">
-                <a16:creationId xmlns:a16="http://schemas.microsoft.com/office/drawing/2014/main" id="{A0B88C79-61CB-CF6F-877E-820B29449541}"/>
-              </a:ext>
-            </a:extLst>
-          </p:cNvPr>
+            <a:endParaRPr lang="en-US"/>
+          </a:p>
+        </p:txBody>
+      </p:sp>
+      <p:sp>
+        <p:nvSpPr>
+          <p:cNvPr id="4" name="Footer Placeholder 3"/>
           <p:cNvSpPr>
             <a:spLocks noGrp="1"/>
           </p:cNvSpPr>
@@ -1995,19 +1724,13 @@
           <a:bodyPr/>
           <a:lstStyle/>
           <a:p>
-            <a:endParaRPr lang="en-CN"/>
-          </a:p>
-        </p:txBody>
-      </p:sp>
-      <p:sp>
-        <p:nvSpPr>
-          <p:cNvPr id="5" name="Slide Number Placeholder 4">
-            <a:extLst>
-              <a:ext uri="{FF2B5EF4-FFF2-40B4-BE49-F238E27FC236}">
-                <a16:creationId xmlns:a16="http://schemas.microsoft.com/office/drawing/2014/main" id="{A8724E49-4B9F-49FB-2982-FE5F1ECCC8AF}"/>
-              </a:ext>
-            </a:extLst>
-          </p:cNvPr>
+            <a:endParaRPr lang="en-US"/>
+          </a:p>
+        </p:txBody>
+      </p:sp>
+      <p:sp>
+        <p:nvSpPr>
+          <p:cNvPr id="5" name="Slide Number Placeholder 4"/>
           <p:cNvSpPr>
             <a:spLocks noGrp="1"/>
           </p:cNvSpPr>
@@ -2021,19 +1744,13 @@
           <a:lstStyle/>
           <a:p>
             <a:fld id="{5143AB2A-8178-FF44-B866-5C106E9D85E1}" type="slidenum">
-              <a:rPr lang="en-CN" smtClean="0"/>
-              <a:t>‹#›</a:t>
+              <a:rPr lang="en-US" smtClean="0"/>
             </a:fld>
-            <a:endParaRPr lang="en-CN"/>
+            <a:endParaRPr lang="en-US"/>
           </a:p>
         </p:txBody>
       </p:sp>
     </p:spTree>
-    <p:extLst>
-      <p:ext uri="{BB962C8B-B14F-4D97-AF65-F5344CB8AC3E}">
-        <p14:creationId xmlns:p14="http://schemas.microsoft.com/office/powerpoint/2010/main" val="379973433"/>
-      </p:ext>
-    </p:extLst>
   </p:cSld>
   <p:clrMapOvr>
     <a:masterClrMapping/>
@@ -2060,13 +1777,7 @@
       </p:grpSpPr>
       <p:sp>
         <p:nvSpPr>
-          <p:cNvPr id="2" name="Date Placeholder 1">
-            <a:extLst>
-              <a:ext uri="{FF2B5EF4-FFF2-40B4-BE49-F238E27FC236}">
-                <a16:creationId xmlns:a16="http://schemas.microsoft.com/office/drawing/2014/main" id="{338D443A-80BB-C3A0-6AF1-5454DA315871}"/>
-              </a:ext>
-            </a:extLst>
-          </p:cNvPr>
+          <p:cNvPr id="2" name="Date Placeholder 1"/>
           <p:cNvSpPr>
             <a:spLocks noGrp="1"/>
           </p:cNvSpPr>
@@ -2080,22 +1791,15 @@
           <a:lstStyle/>
           <a:p>
             <a:fld id="{FA0443F5-0765-FD47-89E8-FDED27B1F8A5}" type="datetimeFigureOut">
-              <a:rPr lang="en-CN" smtClean="0"/>
-              <a:t>2022/10/18</a:t>
+              <a:rPr lang="en-US" smtClean="0"/>
             </a:fld>
-            <a:endParaRPr lang="en-CN"/>
-          </a:p>
-        </p:txBody>
-      </p:sp>
-      <p:sp>
-        <p:nvSpPr>
-          <p:cNvPr id="3" name="Footer Placeholder 2">
-            <a:extLst>
-              <a:ext uri="{FF2B5EF4-FFF2-40B4-BE49-F238E27FC236}">
-                <a16:creationId xmlns:a16="http://schemas.microsoft.com/office/drawing/2014/main" id="{E9EA2891-23C6-C52B-DA81-EB930A12D9C3}"/>
-              </a:ext>
-            </a:extLst>
-          </p:cNvPr>
+            <a:endParaRPr lang="en-US"/>
+          </a:p>
+        </p:txBody>
+      </p:sp>
+      <p:sp>
+        <p:nvSpPr>
+          <p:cNvPr id="3" name="Footer Placeholder 2"/>
           <p:cNvSpPr>
             <a:spLocks noGrp="1"/>
           </p:cNvSpPr>
@@ -2108,19 +1812,13 @@
           <a:bodyPr/>
           <a:lstStyle/>
           <a:p>
-            <a:endParaRPr lang="en-CN"/>
-          </a:p>
-        </p:txBody>
-      </p:sp>
-      <p:sp>
-        <p:nvSpPr>
-          <p:cNvPr id="4" name="Slide Number Placeholder 3">
-            <a:extLst>
-              <a:ext uri="{FF2B5EF4-FFF2-40B4-BE49-F238E27FC236}">
-                <a16:creationId xmlns:a16="http://schemas.microsoft.com/office/drawing/2014/main" id="{066A0C46-2633-DD5D-00D3-8D90D28CBFA4}"/>
-              </a:ext>
-            </a:extLst>
-          </p:cNvPr>
+            <a:endParaRPr lang="en-US"/>
+          </a:p>
+        </p:txBody>
+      </p:sp>
+      <p:sp>
+        <p:nvSpPr>
+          <p:cNvPr id="4" name="Slide Number Placeholder 3"/>
           <p:cNvSpPr>
             <a:spLocks noGrp="1"/>
           </p:cNvSpPr>
@@ -2134,19 +1832,13 @@
           <a:lstStyle/>
           <a:p>
             <a:fld id="{5143AB2A-8178-FF44-B866-5C106E9D85E1}" type="slidenum">
-              <a:rPr lang="en-CN" smtClean="0"/>
-              <a:t>‹#›</a:t>
+              <a:rPr lang="en-US" smtClean="0"/>
             </a:fld>
-            <a:endParaRPr lang="en-CN"/>
+            <a:endParaRPr lang="en-US"/>
           </a:p>
         </p:txBody>
       </p:sp>
     </p:spTree>
-    <p:extLst>
-      <p:ext uri="{BB962C8B-B14F-4D97-AF65-F5344CB8AC3E}">
-        <p14:creationId xmlns:p14="http://schemas.microsoft.com/office/powerpoint/2010/main" val="995803399"/>
-      </p:ext>
-    </p:extLst>
   </p:cSld>
   <p:clrMapOvr>
     <a:masterClrMapping/>
@@ -2173,13 +1865,7 @@
       </p:grpSpPr>
       <p:sp>
         <p:nvSpPr>
-          <p:cNvPr id="2" name="Title 1">
-            <a:extLst>
-              <a:ext uri="{FF2B5EF4-FFF2-40B4-BE49-F238E27FC236}">
-                <a16:creationId xmlns:a16="http://schemas.microsoft.com/office/drawing/2014/main" id="{94D46B8F-CEEA-89F6-0607-173AD7D47C0D}"/>
-              </a:ext>
-            </a:extLst>
-          </p:cNvPr>
+          <p:cNvPr id="2" name="Title 1"/>
           <p:cNvSpPr>
             <a:spLocks noGrp="1"/>
           </p:cNvSpPr>
@@ -2205,19 +1891,13 @@
               <a:rPr lang="en-US"/>
               <a:t>Click to edit Master title style</a:t>
             </a:r>
-            <a:endParaRPr lang="en-CN"/>
-          </a:p>
-        </p:txBody>
-      </p:sp>
-      <p:sp>
-        <p:nvSpPr>
-          <p:cNvPr id="3" name="Content Placeholder 2">
-            <a:extLst>
-              <a:ext uri="{FF2B5EF4-FFF2-40B4-BE49-F238E27FC236}">
-                <a16:creationId xmlns:a16="http://schemas.microsoft.com/office/drawing/2014/main" id="{E13FB1AF-F53C-1585-7473-E54E982F1E5D}"/>
-              </a:ext>
-            </a:extLst>
-          </p:cNvPr>
+            <a:endParaRPr lang="en-US"/>
+          </a:p>
+        </p:txBody>
+      </p:sp>
+      <p:sp>
+        <p:nvSpPr>
+          <p:cNvPr id="3" name="Content Placeholder 2"/>
           <p:cNvSpPr>
             <a:spLocks noGrp="1"/>
           </p:cNvSpPr>
@@ -2268,6 +1948,7 @@
               <a:rPr lang="en-US"/>
               <a:t>Click to edit Master text styles</a:t>
             </a:r>
+            <a:endParaRPr lang="en-US"/>
           </a:p>
           <a:p>
             <a:pPr lvl="1"/>
@@ -2275,6 +1956,7 @@
               <a:rPr lang="en-US"/>
               <a:t>Second level</a:t>
             </a:r>
+            <a:endParaRPr lang="en-US"/>
           </a:p>
           <a:p>
             <a:pPr lvl="2"/>
@@ -2282,6 +1964,7 @@
               <a:rPr lang="en-US"/>
               <a:t>Third level</a:t>
             </a:r>
+            <a:endParaRPr lang="en-US"/>
           </a:p>
           <a:p>
             <a:pPr lvl="3"/>
@@ -2289,6 +1972,7 @@
               <a:rPr lang="en-US"/>
               <a:t>Fourth level</a:t>
             </a:r>
+            <a:endParaRPr lang="en-US"/>
           </a:p>
           <a:p>
             <a:pPr lvl="4"/>
@@ -2296,19 +1980,13 @@
               <a:rPr lang="en-US"/>
               <a:t>Fifth level</a:t>
             </a:r>
-            <a:endParaRPr lang="en-CN"/>
-          </a:p>
-        </p:txBody>
-      </p:sp>
-      <p:sp>
-        <p:nvSpPr>
-          <p:cNvPr id="4" name="Text Placeholder 3">
-            <a:extLst>
-              <a:ext uri="{FF2B5EF4-FFF2-40B4-BE49-F238E27FC236}">
-                <a16:creationId xmlns:a16="http://schemas.microsoft.com/office/drawing/2014/main" id="{FF583F3C-628F-4B55-E717-E58C739E2468}"/>
-              </a:ext>
-            </a:extLst>
-          </p:cNvPr>
+            <a:endParaRPr lang="en-US"/>
+          </a:p>
+        </p:txBody>
+      </p:sp>
+      <p:sp>
+        <p:nvSpPr>
+          <p:cNvPr id="4" name="Text Placeholder 3"/>
           <p:cNvSpPr>
             <a:spLocks noGrp="1"/>
           </p:cNvSpPr>
@@ -2368,18 +2046,13 @@
               <a:rPr lang="en-US"/>
               <a:t>Click to edit Master text styles</a:t>
             </a:r>
-          </a:p>
-        </p:txBody>
-      </p:sp>
-      <p:sp>
-        <p:nvSpPr>
-          <p:cNvPr id="5" name="Date Placeholder 4">
-            <a:extLst>
-              <a:ext uri="{FF2B5EF4-FFF2-40B4-BE49-F238E27FC236}">
-                <a16:creationId xmlns:a16="http://schemas.microsoft.com/office/drawing/2014/main" id="{71FE08E5-5FEC-CAD5-8691-D9FB6384EB9C}"/>
-              </a:ext>
-            </a:extLst>
-          </p:cNvPr>
+            <a:endParaRPr lang="en-US"/>
+          </a:p>
+        </p:txBody>
+      </p:sp>
+      <p:sp>
+        <p:nvSpPr>
+          <p:cNvPr id="5" name="Date Placeholder 4"/>
           <p:cNvSpPr>
             <a:spLocks noGrp="1"/>
           </p:cNvSpPr>
@@ -2393,22 +2066,15 @@
           <a:lstStyle/>
           <a:p>
             <a:fld id="{FA0443F5-0765-FD47-89E8-FDED27B1F8A5}" type="datetimeFigureOut">
-              <a:rPr lang="en-CN" smtClean="0"/>
-              <a:t>2022/10/18</a:t>
+              <a:rPr lang="en-US" smtClean="0"/>
             </a:fld>
-            <a:endParaRPr lang="en-CN"/>
-          </a:p>
-        </p:txBody>
-      </p:sp>
-      <p:sp>
-        <p:nvSpPr>
-          <p:cNvPr id="6" name="Footer Placeholder 5">
-            <a:extLst>
-              <a:ext uri="{FF2B5EF4-FFF2-40B4-BE49-F238E27FC236}">
-                <a16:creationId xmlns:a16="http://schemas.microsoft.com/office/drawing/2014/main" id="{08ADF157-A1CC-86B9-66A2-676EF34B70E0}"/>
-              </a:ext>
-            </a:extLst>
-          </p:cNvPr>
+            <a:endParaRPr lang="en-US"/>
+          </a:p>
+        </p:txBody>
+      </p:sp>
+      <p:sp>
+        <p:nvSpPr>
+          <p:cNvPr id="6" name="Footer Placeholder 5"/>
           <p:cNvSpPr>
             <a:spLocks noGrp="1"/>
           </p:cNvSpPr>
@@ -2421,19 +2087,13 @@
           <a:bodyPr/>
           <a:lstStyle/>
           <a:p>
-            <a:endParaRPr lang="en-CN"/>
-          </a:p>
-        </p:txBody>
-      </p:sp>
-      <p:sp>
-        <p:nvSpPr>
-          <p:cNvPr id="7" name="Slide Number Placeholder 6">
-            <a:extLst>
-              <a:ext uri="{FF2B5EF4-FFF2-40B4-BE49-F238E27FC236}">
-                <a16:creationId xmlns:a16="http://schemas.microsoft.com/office/drawing/2014/main" id="{220DFE2E-C298-2624-90ED-FAAA2EED8AA9}"/>
-              </a:ext>
-            </a:extLst>
-          </p:cNvPr>
+            <a:endParaRPr lang="en-US"/>
+          </a:p>
+        </p:txBody>
+      </p:sp>
+      <p:sp>
+        <p:nvSpPr>
+          <p:cNvPr id="7" name="Slide Number Placeholder 6"/>
           <p:cNvSpPr>
             <a:spLocks noGrp="1"/>
           </p:cNvSpPr>
@@ -2447,19 +2107,13 @@
           <a:lstStyle/>
           <a:p>
             <a:fld id="{5143AB2A-8178-FF44-B866-5C106E9D85E1}" type="slidenum">
-              <a:rPr lang="en-CN" smtClean="0"/>
-              <a:t>‹#›</a:t>
+              <a:rPr lang="en-US" smtClean="0"/>
             </a:fld>
-            <a:endParaRPr lang="en-CN"/>
+            <a:endParaRPr lang="en-US"/>
           </a:p>
         </p:txBody>
       </p:sp>
     </p:spTree>
-    <p:extLst>
-      <p:ext uri="{BB962C8B-B14F-4D97-AF65-F5344CB8AC3E}">
-        <p14:creationId xmlns:p14="http://schemas.microsoft.com/office/powerpoint/2010/main" val="2188997948"/>
-      </p:ext>
-    </p:extLst>
   </p:cSld>
   <p:clrMapOvr>
     <a:masterClrMapping/>
@@ -2486,13 +2140,7 @@
       </p:grpSpPr>
       <p:sp>
         <p:nvSpPr>
-          <p:cNvPr id="2" name="Title 1">
-            <a:extLst>
-              <a:ext uri="{FF2B5EF4-FFF2-40B4-BE49-F238E27FC236}">
-                <a16:creationId xmlns:a16="http://schemas.microsoft.com/office/drawing/2014/main" id="{F23C7933-EDFA-3A93-D9D1-ADB7412716A6}"/>
-              </a:ext>
-            </a:extLst>
-          </p:cNvPr>
+          <p:cNvPr id="2" name="Title 1"/>
           <p:cNvSpPr>
             <a:spLocks noGrp="1"/>
           </p:cNvSpPr>
@@ -2518,19 +2166,13 @@
               <a:rPr lang="en-US"/>
               <a:t>Click to edit Master title style</a:t>
             </a:r>
-            <a:endParaRPr lang="en-CN"/>
-          </a:p>
-        </p:txBody>
-      </p:sp>
-      <p:sp>
-        <p:nvSpPr>
-          <p:cNvPr id="3" name="Picture Placeholder 2">
-            <a:extLst>
-              <a:ext uri="{FF2B5EF4-FFF2-40B4-BE49-F238E27FC236}">
-                <a16:creationId xmlns:a16="http://schemas.microsoft.com/office/drawing/2014/main" id="{B1D76A38-8C35-C5F5-A3D5-54C739350392}"/>
-              </a:ext>
-            </a:extLst>
-          </p:cNvPr>
+            <a:endParaRPr lang="en-US"/>
+          </a:p>
+        </p:txBody>
+      </p:sp>
+      <p:sp>
+        <p:nvSpPr>
+          <p:cNvPr id="3" name="Picture Placeholder 2"/>
           <p:cNvSpPr>
             <a:spLocks noGrp="1"/>
           </p:cNvSpPr>
@@ -2585,19 +2227,13 @@
             </a:lvl9pPr>
           </a:lstStyle>
           <a:p>
-            <a:endParaRPr lang="en-CN"/>
-          </a:p>
-        </p:txBody>
-      </p:sp>
-      <p:sp>
-        <p:nvSpPr>
-          <p:cNvPr id="4" name="Text Placeholder 3">
-            <a:extLst>
-              <a:ext uri="{FF2B5EF4-FFF2-40B4-BE49-F238E27FC236}">
-                <a16:creationId xmlns:a16="http://schemas.microsoft.com/office/drawing/2014/main" id="{574F27C4-F4CE-EEE5-22D6-FC43EB854957}"/>
-              </a:ext>
-            </a:extLst>
-          </p:cNvPr>
+            <a:endParaRPr lang="en-US"/>
+          </a:p>
+        </p:txBody>
+      </p:sp>
+      <p:sp>
+        <p:nvSpPr>
+          <p:cNvPr id="4" name="Text Placeholder 3"/>
           <p:cNvSpPr>
             <a:spLocks noGrp="1"/>
           </p:cNvSpPr>
@@ -2657,18 +2293,13 @@
               <a:rPr lang="en-US"/>
               <a:t>Click to edit Master text styles</a:t>
             </a:r>
-          </a:p>
-        </p:txBody>
-      </p:sp>
-      <p:sp>
-        <p:nvSpPr>
-          <p:cNvPr id="5" name="Date Placeholder 4">
-            <a:extLst>
-              <a:ext uri="{FF2B5EF4-FFF2-40B4-BE49-F238E27FC236}">
-                <a16:creationId xmlns:a16="http://schemas.microsoft.com/office/drawing/2014/main" id="{572A39F4-BE0D-B569-9DC4-9F403083CD9C}"/>
-              </a:ext>
-            </a:extLst>
-          </p:cNvPr>
+            <a:endParaRPr lang="en-US"/>
+          </a:p>
+        </p:txBody>
+      </p:sp>
+      <p:sp>
+        <p:nvSpPr>
+          <p:cNvPr id="5" name="Date Placeholder 4"/>
           <p:cNvSpPr>
             <a:spLocks noGrp="1"/>
           </p:cNvSpPr>
@@ -2682,22 +2313,15 @@
           <a:lstStyle/>
           <a:p>
             <a:fld id="{FA0443F5-0765-FD47-89E8-FDED27B1F8A5}" type="datetimeFigureOut">
-              <a:rPr lang="en-CN" smtClean="0"/>
-              <a:t>2022/10/18</a:t>
+              <a:rPr lang="en-US" smtClean="0"/>
             </a:fld>
-            <a:endParaRPr lang="en-CN"/>
-          </a:p>
-        </p:txBody>
-      </p:sp>
-      <p:sp>
-        <p:nvSpPr>
-          <p:cNvPr id="6" name="Footer Placeholder 5">
-            <a:extLst>
-              <a:ext uri="{FF2B5EF4-FFF2-40B4-BE49-F238E27FC236}">
-                <a16:creationId xmlns:a16="http://schemas.microsoft.com/office/drawing/2014/main" id="{61130B06-573F-81CB-3E0E-A90533365898}"/>
-              </a:ext>
-            </a:extLst>
-          </p:cNvPr>
+            <a:endParaRPr lang="en-US"/>
+          </a:p>
+        </p:txBody>
+      </p:sp>
+      <p:sp>
+        <p:nvSpPr>
+          <p:cNvPr id="6" name="Footer Placeholder 5"/>
           <p:cNvSpPr>
             <a:spLocks noGrp="1"/>
           </p:cNvSpPr>
@@ -2710,19 +2334,13 @@
           <a:bodyPr/>
           <a:lstStyle/>
           <a:p>
-            <a:endParaRPr lang="en-CN"/>
-          </a:p>
-        </p:txBody>
-      </p:sp>
-      <p:sp>
-        <p:nvSpPr>
-          <p:cNvPr id="7" name="Slide Number Placeholder 6">
-            <a:extLst>
-              <a:ext uri="{FF2B5EF4-FFF2-40B4-BE49-F238E27FC236}">
-                <a16:creationId xmlns:a16="http://schemas.microsoft.com/office/drawing/2014/main" id="{3458226E-0CBE-FCEE-73E6-886F95512A43}"/>
-              </a:ext>
-            </a:extLst>
-          </p:cNvPr>
+            <a:endParaRPr lang="en-US"/>
+          </a:p>
+        </p:txBody>
+      </p:sp>
+      <p:sp>
+        <p:nvSpPr>
+          <p:cNvPr id="7" name="Slide Number Placeholder 6"/>
           <p:cNvSpPr>
             <a:spLocks noGrp="1"/>
           </p:cNvSpPr>
@@ -2736,19 +2354,13 @@
           <a:lstStyle/>
           <a:p>
             <a:fld id="{5143AB2A-8178-FF44-B866-5C106E9D85E1}" type="slidenum">
-              <a:rPr lang="en-CN" smtClean="0"/>
-              <a:t>‹#›</a:t>
+              <a:rPr lang="en-US" smtClean="0"/>
             </a:fld>
-            <a:endParaRPr lang="en-CN"/>
+            <a:endParaRPr lang="en-US"/>
           </a:p>
         </p:txBody>
       </p:sp>
     </p:spTree>
-    <p:extLst>
-      <p:ext uri="{BB962C8B-B14F-4D97-AF65-F5344CB8AC3E}">
-        <p14:creationId xmlns:p14="http://schemas.microsoft.com/office/powerpoint/2010/main" val="836919204"/>
-      </p:ext>
-    </p:extLst>
   </p:cSld>
   <p:clrMapOvr>
     <a:masterClrMapping/>
@@ -2780,13 +2392,7 @@
       </p:grpSpPr>
       <p:sp>
         <p:nvSpPr>
-          <p:cNvPr id="2" name="Title Placeholder 1">
-            <a:extLst>
-              <a:ext uri="{FF2B5EF4-FFF2-40B4-BE49-F238E27FC236}">
-                <a16:creationId xmlns:a16="http://schemas.microsoft.com/office/drawing/2014/main" id="{9BF77C00-D524-DA92-49C4-F647C1725539}"/>
-              </a:ext>
-            </a:extLst>
-          </p:cNvPr>
+          <p:cNvPr id="2" name="Title Placeholder 1"/>
           <p:cNvSpPr>
             <a:spLocks noGrp="1"/>
           </p:cNvSpPr>
@@ -2813,19 +2419,13 @@
               <a:rPr lang="en-US"/>
               <a:t>Click to edit Master title style</a:t>
             </a:r>
-            <a:endParaRPr lang="en-CN"/>
-          </a:p>
-        </p:txBody>
-      </p:sp>
-      <p:sp>
-        <p:nvSpPr>
-          <p:cNvPr id="3" name="Text Placeholder 2">
-            <a:extLst>
-              <a:ext uri="{FF2B5EF4-FFF2-40B4-BE49-F238E27FC236}">
-                <a16:creationId xmlns:a16="http://schemas.microsoft.com/office/drawing/2014/main" id="{7F3B600D-A1BE-2A2F-D9CC-605F6E2F91EC}"/>
-              </a:ext>
-            </a:extLst>
-          </p:cNvPr>
+            <a:endParaRPr lang="en-US"/>
+          </a:p>
+        </p:txBody>
+      </p:sp>
+      <p:sp>
+        <p:nvSpPr>
+          <p:cNvPr id="3" name="Text Placeholder 2"/>
           <p:cNvSpPr>
             <a:spLocks noGrp="1"/>
           </p:cNvSpPr>
@@ -2853,6 +2453,7 @@
               <a:rPr lang="en-US"/>
               <a:t>Click to edit Master text styles</a:t>
             </a:r>
+            <a:endParaRPr lang="en-US"/>
           </a:p>
           <a:p>
             <a:pPr lvl="1"/>
@@ -2860,6 +2461,7 @@
               <a:rPr lang="en-US"/>
               <a:t>Second level</a:t>
             </a:r>
+            <a:endParaRPr lang="en-US"/>
           </a:p>
           <a:p>
             <a:pPr lvl="2"/>
@@ -2867,6 +2469,7 @@
               <a:rPr lang="en-US"/>
               <a:t>Third level</a:t>
             </a:r>
+            <a:endParaRPr lang="en-US"/>
           </a:p>
           <a:p>
             <a:pPr lvl="3"/>
@@ -2874,6 +2477,7 @@
               <a:rPr lang="en-US"/>
               <a:t>Fourth level</a:t>
             </a:r>
+            <a:endParaRPr lang="en-US"/>
           </a:p>
           <a:p>
             <a:pPr lvl="4"/>
@@ -2881,19 +2485,13 @@
               <a:rPr lang="en-US"/>
               <a:t>Fifth level</a:t>
             </a:r>
-            <a:endParaRPr lang="en-CN"/>
-          </a:p>
-        </p:txBody>
-      </p:sp>
-      <p:sp>
-        <p:nvSpPr>
-          <p:cNvPr id="4" name="Date Placeholder 3">
-            <a:extLst>
-              <a:ext uri="{FF2B5EF4-FFF2-40B4-BE49-F238E27FC236}">
-                <a16:creationId xmlns:a16="http://schemas.microsoft.com/office/drawing/2014/main" id="{A8BC32D8-643C-BE72-7D8F-DCAFF55B1B4E}"/>
-              </a:ext>
-            </a:extLst>
-          </p:cNvPr>
+            <a:endParaRPr lang="en-US"/>
+          </a:p>
+        </p:txBody>
+      </p:sp>
+      <p:sp>
+        <p:nvSpPr>
+          <p:cNvPr id="4" name="Date Placeholder 3"/>
           <p:cNvSpPr>
             <a:spLocks noGrp="1"/>
           </p:cNvSpPr>
@@ -2925,22 +2523,15 @@
           </a:lstStyle>
           <a:p>
             <a:fld id="{FA0443F5-0765-FD47-89E8-FDED27B1F8A5}" type="datetimeFigureOut">
-              <a:rPr lang="en-CN" smtClean="0"/>
-              <a:t>2022/10/18</a:t>
+              <a:rPr lang="en-US" smtClean="0"/>
             </a:fld>
-            <a:endParaRPr lang="en-CN"/>
-          </a:p>
-        </p:txBody>
-      </p:sp>
-      <p:sp>
-        <p:nvSpPr>
-          <p:cNvPr id="5" name="Footer Placeholder 4">
-            <a:extLst>
-              <a:ext uri="{FF2B5EF4-FFF2-40B4-BE49-F238E27FC236}">
-                <a16:creationId xmlns:a16="http://schemas.microsoft.com/office/drawing/2014/main" id="{5DDF5EBD-AB11-B6E1-94D3-82063DC0D0FE}"/>
-              </a:ext>
-            </a:extLst>
-          </p:cNvPr>
+            <a:endParaRPr lang="en-US"/>
+          </a:p>
+        </p:txBody>
+      </p:sp>
+      <p:sp>
+        <p:nvSpPr>
+          <p:cNvPr id="5" name="Footer Placeholder 4"/>
           <p:cNvSpPr>
             <a:spLocks noGrp="1"/>
           </p:cNvSpPr>
@@ -2971,19 +2562,13 @@
             </a:lvl1pPr>
           </a:lstStyle>
           <a:p>
-            <a:endParaRPr lang="en-CN"/>
-          </a:p>
-        </p:txBody>
-      </p:sp>
-      <p:sp>
-        <p:nvSpPr>
-          <p:cNvPr id="6" name="Slide Number Placeholder 5">
-            <a:extLst>
-              <a:ext uri="{FF2B5EF4-FFF2-40B4-BE49-F238E27FC236}">
-                <a16:creationId xmlns:a16="http://schemas.microsoft.com/office/drawing/2014/main" id="{0FEE2974-8AED-B41F-FA89-CF474D8731B8}"/>
-              </a:ext>
-            </a:extLst>
-          </p:cNvPr>
+            <a:endParaRPr lang="en-US"/>
+          </a:p>
+        </p:txBody>
+      </p:sp>
+      <p:sp>
+        <p:nvSpPr>
+          <p:cNvPr id="6" name="Slide Number Placeholder 5"/>
           <p:cNvSpPr>
             <a:spLocks noGrp="1"/>
           </p:cNvSpPr>
@@ -3015,19 +2600,13 @@
           </a:lstStyle>
           <a:p>
             <a:fld id="{5143AB2A-8178-FF44-B866-5C106E9D85E1}" type="slidenum">
-              <a:rPr lang="en-CN" smtClean="0"/>
-              <a:t>‹#›</a:t>
+              <a:rPr lang="en-US" smtClean="0"/>
             </a:fld>
-            <a:endParaRPr lang="en-CN"/>
+            <a:endParaRPr lang="en-US"/>
           </a:p>
         </p:txBody>
       </p:sp>
     </p:spTree>
-    <p:extLst>
-      <p:ext uri="{BB962C8B-B14F-4D97-AF65-F5344CB8AC3E}">
-        <p14:creationId xmlns:p14="http://schemas.microsoft.com/office/powerpoint/2010/main" val="1139411200"/>
-      </p:ext>
-    </p:extLst>
   </p:cSld>
   <p:clrMap bg1="lt1" tx1="dk1" bg2="lt2" tx2="dk2" accent1="accent1" accent2="accent2" accent3="accent3" accent4="accent4" accent5="accent5" accent6="accent6" hlink="hlink" folHlink="folHlink"/>
   <p:sldLayoutIdLst>
@@ -3229,7 +2808,7 @@
     </p:bodyStyle>
     <p:otherStyle>
       <a:defPPr>
-        <a:defRPr lang="en-CN"/>
+        <a:defRPr lang="en-US"/>
       </a:defPPr>
       <a:lvl1pPr marL="0" algn="l" defTabSz="914400" rtl="0" eaLnBrk="1" latinLnBrk="0" hangingPunct="1">
         <a:defRPr sz="1800" kern="1200">
@@ -3345,13 +2924,7 @@
       </p:grpSpPr>
       <p:sp>
         <p:nvSpPr>
-          <p:cNvPr id="4" name="TextBox 3">
-            <a:extLst>
-              <a:ext uri="{FF2B5EF4-FFF2-40B4-BE49-F238E27FC236}">
-                <a16:creationId xmlns:a16="http://schemas.microsoft.com/office/drawing/2014/main" id="{4DE09DC0-0E49-2331-8127-0E9C865DA486}"/>
-              </a:ext>
-            </a:extLst>
-          </p:cNvPr>
+          <p:cNvPr id="4" name="TextBox 3"/>
           <p:cNvSpPr txBox="1"/>
           <p:nvPr/>
         </p:nvSpPr>
@@ -3376,7 +2949,7 @@
               <a:t>A</a:t>
             </a:r>
             <a:r>
-              <a:rPr lang="en-CN" dirty="0"/>
+              <a:rPr lang="en-US" dirty="0"/>
               <a:t>lins</a:t>
             </a:r>
             <a:r>
@@ -3387,19 +2960,13 @@
               <a:rPr lang="en-US" altLang="zh-CN" dirty="0" err="1"/>
               <a:t>Alins</a:t>
             </a:r>
-            <a:endParaRPr lang="en-CN" dirty="0"/>
-          </a:p>
-        </p:txBody>
-      </p:sp>
-      <p:sp>
-        <p:nvSpPr>
-          <p:cNvPr id="5" name="Triangle 4">
-            <a:extLst>
-              <a:ext uri="{FF2B5EF4-FFF2-40B4-BE49-F238E27FC236}">
-                <a16:creationId xmlns:a16="http://schemas.microsoft.com/office/drawing/2014/main" id="{D98E40F8-10E6-8FEE-40FE-A7C289C937E4}"/>
-              </a:ext>
-            </a:extLst>
-          </p:cNvPr>
+            <a:endParaRPr lang="en-US" dirty="0"/>
+          </a:p>
+        </p:txBody>
+      </p:sp>
+      <p:sp>
+        <p:nvSpPr>
+          <p:cNvPr id="5" name="Triangle 4"/>
           <p:cNvSpPr/>
           <p:nvPr/>
         </p:nvSpPr>
@@ -3438,19 +3005,13 @@
           <a:lstStyle/>
           <a:p>
             <a:pPr algn="ctr"/>
-            <a:endParaRPr lang="en-CN"/>
-          </a:p>
-        </p:txBody>
-      </p:sp>
-      <p:sp>
-        <p:nvSpPr>
-          <p:cNvPr id="7" name="Rectangle 6">
-            <a:extLst>
-              <a:ext uri="{FF2B5EF4-FFF2-40B4-BE49-F238E27FC236}">
-                <a16:creationId xmlns:a16="http://schemas.microsoft.com/office/drawing/2014/main" id="{DC17F77D-D4A4-807C-60D2-7491F5A497E2}"/>
-              </a:ext>
-            </a:extLst>
-          </p:cNvPr>
+            <a:endParaRPr lang="en-US"/>
+          </a:p>
+        </p:txBody>
+      </p:sp>
+      <p:sp>
+        <p:nvSpPr>
+          <p:cNvPr id="7" name="Rectangle 6"/>
           <p:cNvSpPr/>
           <p:nvPr/>
         </p:nvSpPr>
@@ -3487,19 +3048,13 @@
           <a:lstStyle/>
           <a:p>
             <a:pPr algn="ctr"/>
-            <a:endParaRPr lang="en-CN"/>
-          </a:p>
-        </p:txBody>
-      </p:sp>
-      <p:sp>
-        <p:nvSpPr>
-          <p:cNvPr id="9" name="Rectangle 8">
-            <a:extLst>
-              <a:ext uri="{FF2B5EF4-FFF2-40B4-BE49-F238E27FC236}">
-                <a16:creationId xmlns:a16="http://schemas.microsoft.com/office/drawing/2014/main" id="{194A6C82-A5CB-BEF2-EEA9-42582BA8EE5E}"/>
-              </a:ext>
-            </a:extLst>
-          </p:cNvPr>
+            <a:endParaRPr lang="en-US"/>
+          </a:p>
+        </p:txBody>
+      </p:sp>
+      <p:sp>
+        <p:nvSpPr>
+          <p:cNvPr id="9" name="Rectangle 8"/>
           <p:cNvSpPr/>
           <p:nvPr/>
         </p:nvSpPr>
@@ -3536,19 +3091,13 @@
           <a:lstStyle/>
           <a:p>
             <a:pPr algn="ctr"/>
-            <a:endParaRPr lang="en-CN" dirty="0"/>
-          </a:p>
-        </p:txBody>
-      </p:sp>
-      <p:sp>
-        <p:nvSpPr>
-          <p:cNvPr id="11" name="Rectangle 10">
-            <a:extLst>
-              <a:ext uri="{FF2B5EF4-FFF2-40B4-BE49-F238E27FC236}">
-                <a16:creationId xmlns:a16="http://schemas.microsoft.com/office/drawing/2014/main" id="{004F13F8-483C-8AF7-F047-FEC7D12EC6D0}"/>
-              </a:ext>
-            </a:extLst>
-          </p:cNvPr>
+            <a:endParaRPr lang="en-US" dirty="0"/>
+          </a:p>
+        </p:txBody>
+      </p:sp>
+      <p:sp>
+        <p:nvSpPr>
+          <p:cNvPr id="11" name="Rectangle 10"/>
           <p:cNvSpPr/>
           <p:nvPr/>
         </p:nvSpPr>
@@ -3585,19 +3134,13 @@
           <a:lstStyle/>
           <a:p>
             <a:pPr algn="ctr"/>
-            <a:endParaRPr lang="en-CN"/>
-          </a:p>
-        </p:txBody>
-      </p:sp>
-      <p:sp>
-        <p:nvSpPr>
-          <p:cNvPr id="20" name="Triangle 19">
-            <a:extLst>
-              <a:ext uri="{FF2B5EF4-FFF2-40B4-BE49-F238E27FC236}">
-                <a16:creationId xmlns:a16="http://schemas.microsoft.com/office/drawing/2014/main" id="{034D5F74-C7FA-0C23-60C5-19C36FEDBAFB}"/>
-              </a:ext>
-            </a:extLst>
-          </p:cNvPr>
+            <a:endParaRPr lang="en-US"/>
+          </a:p>
+        </p:txBody>
+      </p:sp>
+      <p:sp>
+        <p:nvSpPr>
+          <p:cNvPr id="20" name="Triangle 19"/>
           <p:cNvSpPr/>
           <p:nvPr/>
         </p:nvSpPr>
@@ -3639,19 +3182,13 @@
           <a:lstStyle/>
           <a:p>
             <a:pPr algn="ctr"/>
-            <a:endParaRPr lang="en-CN"/>
-          </a:p>
-        </p:txBody>
-      </p:sp>
-      <p:sp>
-        <p:nvSpPr>
-          <p:cNvPr id="14" name="Rectangle 13">
-            <a:extLst>
-              <a:ext uri="{FF2B5EF4-FFF2-40B4-BE49-F238E27FC236}">
-                <a16:creationId xmlns:a16="http://schemas.microsoft.com/office/drawing/2014/main" id="{046E1A4A-C9F1-39DF-7B8E-06B5474E3D5F}"/>
-              </a:ext>
-            </a:extLst>
-          </p:cNvPr>
+            <a:endParaRPr lang="en-US"/>
+          </a:p>
+        </p:txBody>
+      </p:sp>
+      <p:sp>
+        <p:nvSpPr>
+          <p:cNvPr id="14" name="Rectangle 13"/>
           <p:cNvSpPr/>
           <p:nvPr/>
         </p:nvSpPr>
@@ -3688,19 +3225,13 @@
           <a:lstStyle/>
           <a:p>
             <a:pPr algn="ctr"/>
-            <a:endParaRPr lang="en-CN"/>
-          </a:p>
-        </p:txBody>
-      </p:sp>
-      <p:sp>
-        <p:nvSpPr>
-          <p:cNvPr id="23" name="Rectangle 22">
-            <a:extLst>
-              <a:ext uri="{FF2B5EF4-FFF2-40B4-BE49-F238E27FC236}">
-                <a16:creationId xmlns:a16="http://schemas.microsoft.com/office/drawing/2014/main" id="{7C10EF29-95C0-AFCB-3F58-0FFA4787C4B2}"/>
-              </a:ext>
-            </a:extLst>
-          </p:cNvPr>
+            <a:endParaRPr lang="en-US"/>
+          </a:p>
+        </p:txBody>
+      </p:sp>
+      <p:sp>
+        <p:nvSpPr>
+          <p:cNvPr id="23" name="Rectangle 22"/>
           <p:cNvSpPr/>
           <p:nvPr/>
         </p:nvSpPr>
@@ -3737,19 +3268,13 @@
           <a:lstStyle/>
           <a:p>
             <a:pPr algn="ctr"/>
-            <a:endParaRPr lang="en-CN"/>
-          </a:p>
-        </p:txBody>
-      </p:sp>
-      <p:sp>
-        <p:nvSpPr>
-          <p:cNvPr id="24" name="Rectangle 23">
-            <a:extLst>
-              <a:ext uri="{FF2B5EF4-FFF2-40B4-BE49-F238E27FC236}">
-                <a16:creationId xmlns:a16="http://schemas.microsoft.com/office/drawing/2014/main" id="{01CBAC22-BFD8-24BC-C9DF-113609C7A347}"/>
-              </a:ext>
-            </a:extLst>
-          </p:cNvPr>
+            <a:endParaRPr lang="en-US"/>
+          </a:p>
+        </p:txBody>
+      </p:sp>
+      <p:sp>
+        <p:nvSpPr>
+          <p:cNvPr id="24" name="Rectangle 23"/>
           <p:cNvSpPr/>
           <p:nvPr/>
         </p:nvSpPr>
@@ -3786,19 +3311,13 @@
           <a:lstStyle/>
           <a:p>
             <a:pPr algn="ctr"/>
-            <a:endParaRPr lang="en-CN"/>
-          </a:p>
-        </p:txBody>
-      </p:sp>
-      <p:sp>
-        <p:nvSpPr>
-          <p:cNvPr id="25" name="Rectangle 24">
-            <a:extLst>
-              <a:ext uri="{FF2B5EF4-FFF2-40B4-BE49-F238E27FC236}">
-                <a16:creationId xmlns:a16="http://schemas.microsoft.com/office/drawing/2014/main" id="{3BF98AE8-C2D1-3F4E-E431-F2CDDFBC0946}"/>
-              </a:ext>
-            </a:extLst>
-          </p:cNvPr>
+            <a:endParaRPr lang="en-US"/>
+          </a:p>
+        </p:txBody>
+      </p:sp>
+      <p:sp>
+        <p:nvSpPr>
+          <p:cNvPr id="25" name="Rectangle 24"/>
           <p:cNvSpPr/>
           <p:nvPr/>
         </p:nvSpPr>
@@ -3835,19 +3354,13 @@
           <a:lstStyle/>
           <a:p>
             <a:pPr algn="ctr"/>
-            <a:endParaRPr lang="en-CN"/>
-          </a:p>
-        </p:txBody>
-      </p:sp>
-      <p:sp>
-        <p:nvSpPr>
-          <p:cNvPr id="26" name="Rectangle 25">
-            <a:extLst>
-              <a:ext uri="{FF2B5EF4-FFF2-40B4-BE49-F238E27FC236}">
-                <a16:creationId xmlns:a16="http://schemas.microsoft.com/office/drawing/2014/main" id="{A138FBA2-0769-3D54-6675-59375EE77703}"/>
-              </a:ext>
-            </a:extLst>
-          </p:cNvPr>
+            <a:endParaRPr lang="en-US"/>
+          </a:p>
+        </p:txBody>
+      </p:sp>
+      <p:sp>
+        <p:nvSpPr>
+          <p:cNvPr id="26" name="Rectangle 25"/>
           <p:cNvSpPr/>
           <p:nvPr/>
         </p:nvSpPr>
@@ -3884,19 +3397,13 @@
           <a:lstStyle/>
           <a:p>
             <a:pPr algn="ctr"/>
-            <a:endParaRPr lang="en-CN"/>
-          </a:p>
-        </p:txBody>
-      </p:sp>
-      <p:sp>
-        <p:nvSpPr>
-          <p:cNvPr id="27" name="Rectangle 26">
-            <a:extLst>
-              <a:ext uri="{FF2B5EF4-FFF2-40B4-BE49-F238E27FC236}">
-                <a16:creationId xmlns:a16="http://schemas.microsoft.com/office/drawing/2014/main" id="{D2E6B527-9EC4-9BDE-3352-A7ACD2A28814}"/>
-              </a:ext>
-            </a:extLst>
-          </p:cNvPr>
+            <a:endParaRPr lang="en-US"/>
+          </a:p>
+        </p:txBody>
+      </p:sp>
+      <p:sp>
+        <p:nvSpPr>
+          <p:cNvPr id="27" name="Rectangle 26"/>
           <p:cNvSpPr/>
           <p:nvPr/>
         </p:nvSpPr>
@@ -3933,19 +3440,13 @@
           <a:lstStyle/>
           <a:p>
             <a:pPr algn="ctr"/>
-            <a:endParaRPr lang="en-CN" dirty="0"/>
-          </a:p>
-        </p:txBody>
-      </p:sp>
-      <p:sp>
-        <p:nvSpPr>
-          <p:cNvPr id="28" name="Rectangle 27">
-            <a:extLst>
-              <a:ext uri="{FF2B5EF4-FFF2-40B4-BE49-F238E27FC236}">
-                <a16:creationId xmlns:a16="http://schemas.microsoft.com/office/drawing/2014/main" id="{27165502-AE7C-8BEF-AA48-B3DBAD98C4A2}"/>
-              </a:ext>
-            </a:extLst>
-          </p:cNvPr>
+            <a:endParaRPr lang="en-US" dirty="0"/>
+          </a:p>
+        </p:txBody>
+      </p:sp>
+      <p:sp>
+        <p:nvSpPr>
+          <p:cNvPr id="28" name="Rectangle 27"/>
           <p:cNvSpPr/>
           <p:nvPr/>
         </p:nvSpPr>
@@ -3982,19 +3483,13 @@
           <a:lstStyle/>
           <a:p>
             <a:pPr algn="ctr"/>
-            <a:endParaRPr lang="en-CN" dirty="0"/>
-          </a:p>
-        </p:txBody>
-      </p:sp>
-      <p:sp>
-        <p:nvSpPr>
-          <p:cNvPr id="34" name="Rectangle 33">
-            <a:extLst>
-              <a:ext uri="{FF2B5EF4-FFF2-40B4-BE49-F238E27FC236}">
-                <a16:creationId xmlns:a16="http://schemas.microsoft.com/office/drawing/2014/main" id="{64BFBA32-6D33-2587-709D-328DCC31D0D6}"/>
-              </a:ext>
-            </a:extLst>
-          </p:cNvPr>
+            <a:endParaRPr lang="en-US" dirty="0"/>
+          </a:p>
+        </p:txBody>
+      </p:sp>
+      <p:sp>
+        <p:nvSpPr>
+          <p:cNvPr id="34" name="Rectangle 33"/>
           <p:cNvSpPr/>
           <p:nvPr/>
         </p:nvSpPr>
@@ -4031,19 +3526,13 @@
           <a:lstStyle/>
           <a:p>
             <a:pPr algn="ctr"/>
-            <a:endParaRPr lang="en-CN"/>
-          </a:p>
-        </p:txBody>
-      </p:sp>
-      <p:sp>
-        <p:nvSpPr>
-          <p:cNvPr id="35" name="Rectangle 34">
-            <a:extLst>
-              <a:ext uri="{FF2B5EF4-FFF2-40B4-BE49-F238E27FC236}">
-                <a16:creationId xmlns:a16="http://schemas.microsoft.com/office/drawing/2014/main" id="{3448A336-0316-3510-5EFB-EA2968B12CE5}"/>
-              </a:ext>
-            </a:extLst>
-          </p:cNvPr>
+            <a:endParaRPr lang="en-US"/>
+          </a:p>
+        </p:txBody>
+      </p:sp>
+      <p:sp>
+        <p:nvSpPr>
+          <p:cNvPr id="35" name="Rectangle 34"/>
           <p:cNvSpPr/>
           <p:nvPr/>
         </p:nvSpPr>
@@ -4083,19 +3572,13 @@
           <a:lstStyle/>
           <a:p>
             <a:pPr algn="ctr"/>
-            <a:endParaRPr lang="en-CN"/>
-          </a:p>
-        </p:txBody>
-      </p:sp>
-      <p:sp>
-        <p:nvSpPr>
-          <p:cNvPr id="36" name="Rectangle 35">
-            <a:extLst>
-              <a:ext uri="{FF2B5EF4-FFF2-40B4-BE49-F238E27FC236}">
-                <a16:creationId xmlns:a16="http://schemas.microsoft.com/office/drawing/2014/main" id="{BBABAC1C-5F86-0D00-08D5-8538EA04E8D3}"/>
-              </a:ext>
-            </a:extLst>
-          </p:cNvPr>
+            <a:endParaRPr lang="en-US"/>
+          </a:p>
+        </p:txBody>
+      </p:sp>
+      <p:sp>
+        <p:nvSpPr>
+          <p:cNvPr id="36" name="Rectangle 35"/>
           <p:cNvSpPr/>
           <p:nvPr/>
         </p:nvSpPr>
@@ -4135,19 +3618,13 @@
           <a:lstStyle/>
           <a:p>
             <a:pPr algn="ctr"/>
-            <a:endParaRPr lang="en-CN"/>
-          </a:p>
-        </p:txBody>
-      </p:sp>
-      <p:sp>
-        <p:nvSpPr>
-          <p:cNvPr id="38" name="Rectangle 37">
-            <a:extLst>
-              <a:ext uri="{FF2B5EF4-FFF2-40B4-BE49-F238E27FC236}">
-                <a16:creationId xmlns:a16="http://schemas.microsoft.com/office/drawing/2014/main" id="{4B309D15-B3DD-8892-6E94-798182FDCB9D}"/>
-              </a:ext>
-            </a:extLst>
-          </p:cNvPr>
+            <a:endParaRPr lang="en-US"/>
+          </a:p>
+        </p:txBody>
+      </p:sp>
+      <p:sp>
+        <p:nvSpPr>
+          <p:cNvPr id="38" name="Rectangle 37"/>
           <p:cNvSpPr/>
           <p:nvPr/>
         </p:nvSpPr>
@@ -4187,19 +3664,13 @@
           <a:lstStyle/>
           <a:p>
             <a:pPr algn="ctr"/>
-            <a:endParaRPr lang="en-CN"/>
-          </a:p>
-        </p:txBody>
-      </p:sp>
-      <p:sp>
-        <p:nvSpPr>
-          <p:cNvPr id="40" name="Rectangle 39">
-            <a:extLst>
-              <a:ext uri="{FF2B5EF4-FFF2-40B4-BE49-F238E27FC236}">
-                <a16:creationId xmlns:a16="http://schemas.microsoft.com/office/drawing/2014/main" id="{26E91D39-7C56-7253-A915-1425AA598EFD}"/>
-              </a:ext>
-            </a:extLst>
-          </p:cNvPr>
+            <a:endParaRPr lang="en-US"/>
+          </a:p>
+        </p:txBody>
+      </p:sp>
+      <p:sp>
+        <p:nvSpPr>
+          <p:cNvPr id="40" name="Rectangle 39"/>
           <p:cNvSpPr/>
           <p:nvPr/>
         </p:nvSpPr>
@@ -4239,19 +3710,13 @@
           <a:lstStyle/>
           <a:p>
             <a:pPr algn="ctr"/>
-            <a:endParaRPr lang="en-CN"/>
-          </a:p>
-        </p:txBody>
-      </p:sp>
-      <p:sp>
-        <p:nvSpPr>
-          <p:cNvPr id="41" name="Rectangle 40">
-            <a:extLst>
-              <a:ext uri="{FF2B5EF4-FFF2-40B4-BE49-F238E27FC236}">
-                <a16:creationId xmlns:a16="http://schemas.microsoft.com/office/drawing/2014/main" id="{4E553CEA-F4B2-0C8C-512C-8A901FCAE03F}"/>
-              </a:ext>
-            </a:extLst>
-          </p:cNvPr>
+            <a:endParaRPr lang="en-US"/>
+          </a:p>
+        </p:txBody>
+      </p:sp>
+      <p:sp>
+        <p:nvSpPr>
+          <p:cNvPr id="41" name="Rectangle 40"/>
           <p:cNvSpPr/>
           <p:nvPr/>
         </p:nvSpPr>
@@ -4291,19 +3756,13 @@
           <a:lstStyle/>
           <a:p>
             <a:pPr algn="ctr"/>
-            <a:endParaRPr lang="en-CN"/>
-          </a:p>
-        </p:txBody>
-      </p:sp>
-      <p:sp>
-        <p:nvSpPr>
-          <p:cNvPr id="42" name="Rectangle 41">
-            <a:extLst>
-              <a:ext uri="{FF2B5EF4-FFF2-40B4-BE49-F238E27FC236}">
-                <a16:creationId xmlns:a16="http://schemas.microsoft.com/office/drawing/2014/main" id="{A48EDA60-1926-E3BD-CFF9-C6B89C732052}"/>
-              </a:ext>
-            </a:extLst>
-          </p:cNvPr>
+            <a:endParaRPr lang="en-US"/>
+          </a:p>
+        </p:txBody>
+      </p:sp>
+      <p:sp>
+        <p:nvSpPr>
+          <p:cNvPr id="42" name="Rectangle 41"/>
           <p:cNvSpPr/>
           <p:nvPr/>
         </p:nvSpPr>
@@ -4343,19 +3802,13 @@
           <a:lstStyle/>
           <a:p>
             <a:pPr algn="ctr"/>
-            <a:endParaRPr lang="en-CN"/>
-          </a:p>
-        </p:txBody>
-      </p:sp>
-      <p:sp>
-        <p:nvSpPr>
-          <p:cNvPr id="44" name="Rectangle 43">
-            <a:extLst>
-              <a:ext uri="{FF2B5EF4-FFF2-40B4-BE49-F238E27FC236}">
-                <a16:creationId xmlns:a16="http://schemas.microsoft.com/office/drawing/2014/main" id="{84CFCE54-AA0E-E7AE-85E4-CA978063341A}"/>
-              </a:ext>
-            </a:extLst>
-          </p:cNvPr>
+            <a:endParaRPr lang="en-US"/>
+          </a:p>
+        </p:txBody>
+      </p:sp>
+      <p:sp>
+        <p:nvSpPr>
+          <p:cNvPr id="44" name="Rectangle 43"/>
           <p:cNvSpPr/>
           <p:nvPr/>
         </p:nvSpPr>
@@ -4395,19 +3848,13 @@
           <a:lstStyle/>
           <a:p>
             <a:pPr algn="ctr"/>
-            <a:endParaRPr lang="en-CN"/>
-          </a:p>
-        </p:txBody>
-      </p:sp>
-      <p:sp>
-        <p:nvSpPr>
-          <p:cNvPr id="45" name="Rectangle 44">
-            <a:extLst>
-              <a:ext uri="{FF2B5EF4-FFF2-40B4-BE49-F238E27FC236}">
-                <a16:creationId xmlns:a16="http://schemas.microsoft.com/office/drawing/2014/main" id="{FE76F844-FE70-732C-C05B-4DD856D63AD1}"/>
-              </a:ext>
-            </a:extLst>
-          </p:cNvPr>
+            <a:endParaRPr lang="en-US"/>
+          </a:p>
+        </p:txBody>
+      </p:sp>
+      <p:sp>
+        <p:nvSpPr>
+          <p:cNvPr id="45" name="Rectangle 44"/>
           <p:cNvSpPr/>
           <p:nvPr/>
         </p:nvSpPr>
@@ -4447,19 +3894,13 @@
           <a:lstStyle/>
           <a:p>
             <a:pPr algn="ctr"/>
-            <a:endParaRPr lang="en-CN"/>
-          </a:p>
-        </p:txBody>
-      </p:sp>
-      <p:sp>
-        <p:nvSpPr>
-          <p:cNvPr id="46" name="Rectangle 45">
-            <a:extLst>
-              <a:ext uri="{FF2B5EF4-FFF2-40B4-BE49-F238E27FC236}">
-                <a16:creationId xmlns:a16="http://schemas.microsoft.com/office/drawing/2014/main" id="{6DD14602-8860-BDD5-9E28-C7DA74CAC294}"/>
-              </a:ext>
-            </a:extLst>
-          </p:cNvPr>
+            <a:endParaRPr lang="en-US"/>
+          </a:p>
+        </p:txBody>
+      </p:sp>
+      <p:sp>
+        <p:nvSpPr>
+          <p:cNvPr id="46" name="Rectangle 45"/>
           <p:cNvSpPr/>
           <p:nvPr/>
         </p:nvSpPr>
@@ -4499,19 +3940,13 @@
           <a:lstStyle/>
           <a:p>
             <a:pPr algn="ctr"/>
-            <a:endParaRPr lang="en-CN"/>
-          </a:p>
-        </p:txBody>
-      </p:sp>
-      <p:sp>
-        <p:nvSpPr>
-          <p:cNvPr id="47" name="Rectangle 46">
-            <a:extLst>
-              <a:ext uri="{FF2B5EF4-FFF2-40B4-BE49-F238E27FC236}">
-                <a16:creationId xmlns:a16="http://schemas.microsoft.com/office/drawing/2014/main" id="{4A8A2407-BB2A-3606-F201-727F629FE5EF}"/>
-              </a:ext>
-            </a:extLst>
-          </p:cNvPr>
+            <a:endParaRPr lang="en-US"/>
+          </a:p>
+        </p:txBody>
+      </p:sp>
+      <p:sp>
+        <p:nvSpPr>
+          <p:cNvPr id="47" name="Rectangle 46"/>
           <p:cNvSpPr/>
           <p:nvPr/>
         </p:nvSpPr>
@@ -4551,19 +3986,13 @@
           <a:lstStyle/>
           <a:p>
             <a:pPr algn="ctr"/>
-            <a:endParaRPr lang="en-CN"/>
-          </a:p>
-        </p:txBody>
-      </p:sp>
-      <p:sp>
-        <p:nvSpPr>
-          <p:cNvPr id="48" name="Rectangle 47">
-            <a:extLst>
-              <a:ext uri="{FF2B5EF4-FFF2-40B4-BE49-F238E27FC236}">
-                <a16:creationId xmlns:a16="http://schemas.microsoft.com/office/drawing/2014/main" id="{4DFC2119-96AA-6B79-A588-EF8CDA63A9B1}"/>
-              </a:ext>
-            </a:extLst>
-          </p:cNvPr>
+            <a:endParaRPr lang="en-US"/>
+          </a:p>
+        </p:txBody>
+      </p:sp>
+      <p:sp>
+        <p:nvSpPr>
+          <p:cNvPr id="48" name="Rectangle 47"/>
           <p:cNvSpPr/>
           <p:nvPr/>
         </p:nvSpPr>
@@ -4603,19 +4032,13 @@
           <a:lstStyle/>
           <a:p>
             <a:pPr algn="ctr"/>
-            <a:endParaRPr lang="en-CN"/>
-          </a:p>
-        </p:txBody>
-      </p:sp>
-      <p:sp>
-        <p:nvSpPr>
-          <p:cNvPr id="49" name="Rectangle 48">
-            <a:extLst>
-              <a:ext uri="{FF2B5EF4-FFF2-40B4-BE49-F238E27FC236}">
-                <a16:creationId xmlns:a16="http://schemas.microsoft.com/office/drawing/2014/main" id="{4E12B672-24C1-FCE8-9CF4-95CD9B053521}"/>
-              </a:ext>
-            </a:extLst>
-          </p:cNvPr>
+            <a:endParaRPr lang="en-US"/>
+          </a:p>
+        </p:txBody>
+      </p:sp>
+      <p:sp>
+        <p:nvSpPr>
+          <p:cNvPr id="49" name="Rectangle 48"/>
           <p:cNvSpPr/>
           <p:nvPr/>
         </p:nvSpPr>
@@ -4655,19 +4078,13 @@
           <a:lstStyle/>
           <a:p>
             <a:pPr algn="ctr"/>
-            <a:endParaRPr lang="en-CN"/>
-          </a:p>
-        </p:txBody>
-      </p:sp>
-      <p:sp>
-        <p:nvSpPr>
-          <p:cNvPr id="50" name="Rectangle 49">
-            <a:extLst>
-              <a:ext uri="{FF2B5EF4-FFF2-40B4-BE49-F238E27FC236}">
-                <a16:creationId xmlns:a16="http://schemas.microsoft.com/office/drawing/2014/main" id="{95BDF559-9113-031F-E9D6-FE0F49C6A354}"/>
-              </a:ext>
-            </a:extLst>
-          </p:cNvPr>
+            <a:endParaRPr lang="en-US"/>
+          </a:p>
+        </p:txBody>
+      </p:sp>
+      <p:sp>
+        <p:nvSpPr>
+          <p:cNvPr id="50" name="Rectangle 49"/>
           <p:cNvSpPr/>
           <p:nvPr/>
         </p:nvSpPr>
@@ -4707,19 +4124,13 @@
           <a:lstStyle/>
           <a:p>
             <a:pPr algn="ctr"/>
-            <a:endParaRPr lang="en-CN"/>
-          </a:p>
-        </p:txBody>
-      </p:sp>
-      <p:sp>
-        <p:nvSpPr>
-          <p:cNvPr id="51" name="Rectangle 50">
-            <a:extLst>
-              <a:ext uri="{FF2B5EF4-FFF2-40B4-BE49-F238E27FC236}">
-                <a16:creationId xmlns:a16="http://schemas.microsoft.com/office/drawing/2014/main" id="{67186D62-72F7-47B9-982A-1AC38714AE77}"/>
-              </a:ext>
-            </a:extLst>
-          </p:cNvPr>
+            <a:endParaRPr lang="en-US"/>
+          </a:p>
+        </p:txBody>
+      </p:sp>
+      <p:sp>
+        <p:nvSpPr>
+          <p:cNvPr id="51" name="Rectangle 50"/>
           <p:cNvSpPr/>
           <p:nvPr/>
         </p:nvSpPr>
@@ -4759,19 +4170,13 @@
           <a:lstStyle/>
           <a:p>
             <a:pPr algn="ctr"/>
-            <a:endParaRPr lang="en-CN"/>
-          </a:p>
-        </p:txBody>
-      </p:sp>
-      <p:sp>
-        <p:nvSpPr>
-          <p:cNvPr id="52" name="Rectangle 51">
-            <a:extLst>
-              <a:ext uri="{FF2B5EF4-FFF2-40B4-BE49-F238E27FC236}">
-                <a16:creationId xmlns:a16="http://schemas.microsoft.com/office/drawing/2014/main" id="{06682C7E-5613-691C-8721-82FB77C69ED7}"/>
-              </a:ext>
-            </a:extLst>
-          </p:cNvPr>
+            <a:endParaRPr lang="en-US"/>
+          </a:p>
+        </p:txBody>
+      </p:sp>
+      <p:sp>
+        <p:nvSpPr>
+          <p:cNvPr id="52" name="Rectangle 51"/>
           <p:cNvSpPr/>
           <p:nvPr/>
         </p:nvSpPr>
@@ -4811,19 +4216,13 @@
           <a:lstStyle/>
           <a:p>
             <a:pPr algn="ctr"/>
-            <a:endParaRPr lang="en-CN"/>
-          </a:p>
-        </p:txBody>
-      </p:sp>
-      <p:sp>
-        <p:nvSpPr>
-          <p:cNvPr id="53" name="Snip and Round Single Corner Rectangle 52">
-            <a:extLst>
-              <a:ext uri="{FF2B5EF4-FFF2-40B4-BE49-F238E27FC236}">
-                <a16:creationId xmlns:a16="http://schemas.microsoft.com/office/drawing/2014/main" id="{FEFD9E4B-4E6B-2EDB-1B33-AA86F7ABEBFF}"/>
-              </a:ext>
-            </a:extLst>
-          </p:cNvPr>
+            <a:endParaRPr lang="en-US"/>
+          </a:p>
+        </p:txBody>
+      </p:sp>
+      <p:sp>
+        <p:nvSpPr>
+          <p:cNvPr id="53" name="Snip and Round Single Corner Rectangle 52"/>
           <p:cNvSpPr/>
           <p:nvPr/>
         </p:nvSpPr>
@@ -4860,19 +4259,13 @@
           <a:lstStyle/>
           <a:p>
             <a:pPr algn="ctr"/>
-            <a:endParaRPr lang="en-CN"/>
-          </a:p>
-        </p:txBody>
-      </p:sp>
-      <p:sp>
-        <p:nvSpPr>
-          <p:cNvPr id="55" name="Triangle 54">
-            <a:extLst>
-              <a:ext uri="{FF2B5EF4-FFF2-40B4-BE49-F238E27FC236}">
-                <a16:creationId xmlns:a16="http://schemas.microsoft.com/office/drawing/2014/main" id="{262A6FEF-BE3B-B49E-EACB-F2BAC906174F}"/>
-              </a:ext>
-            </a:extLst>
-          </p:cNvPr>
+            <a:endParaRPr lang="en-US"/>
+          </a:p>
+        </p:txBody>
+      </p:sp>
+      <p:sp>
+        <p:nvSpPr>
+          <p:cNvPr id="55" name="Triangle 54"/>
           <p:cNvSpPr/>
           <p:nvPr/>
         </p:nvSpPr>
@@ -4914,19 +4307,13 @@
           <a:lstStyle/>
           <a:p>
             <a:pPr algn="ctr"/>
-            <a:endParaRPr lang="en-CN"/>
-          </a:p>
-        </p:txBody>
-      </p:sp>
-      <p:sp>
-        <p:nvSpPr>
-          <p:cNvPr id="32" name="Rectangle 31">
-            <a:extLst>
-              <a:ext uri="{FF2B5EF4-FFF2-40B4-BE49-F238E27FC236}">
-                <a16:creationId xmlns:a16="http://schemas.microsoft.com/office/drawing/2014/main" id="{E53355EF-D8AB-A03B-7633-BE29320D2155}"/>
-              </a:ext>
-            </a:extLst>
-          </p:cNvPr>
+            <a:endParaRPr lang="en-US"/>
+          </a:p>
+        </p:txBody>
+      </p:sp>
+      <p:sp>
+        <p:nvSpPr>
+          <p:cNvPr id="32" name="Rectangle 31"/>
           <p:cNvSpPr/>
           <p:nvPr/>
         </p:nvSpPr>
@@ -4963,19 +4350,13 @@
           <a:lstStyle/>
           <a:p>
             <a:pPr algn="ctr"/>
-            <a:endParaRPr lang="en-CN"/>
-          </a:p>
-        </p:txBody>
-      </p:sp>
-      <p:sp>
-        <p:nvSpPr>
-          <p:cNvPr id="56" name="Rectangle 55">
-            <a:extLst>
-              <a:ext uri="{FF2B5EF4-FFF2-40B4-BE49-F238E27FC236}">
-                <a16:creationId xmlns:a16="http://schemas.microsoft.com/office/drawing/2014/main" id="{45C3837F-D25D-74C9-0749-92508F9E2922}"/>
-              </a:ext>
-            </a:extLst>
-          </p:cNvPr>
+            <a:endParaRPr lang="en-US"/>
+          </a:p>
+        </p:txBody>
+      </p:sp>
+      <p:sp>
+        <p:nvSpPr>
+          <p:cNvPr id="56" name="Rectangle 55"/>
           <p:cNvSpPr/>
           <p:nvPr/>
         </p:nvSpPr>
@@ -5012,19 +4393,13 @@
           <a:lstStyle/>
           <a:p>
             <a:pPr algn="ctr"/>
-            <a:endParaRPr lang="en-CN"/>
-          </a:p>
-        </p:txBody>
-      </p:sp>
-      <p:sp>
-        <p:nvSpPr>
-          <p:cNvPr id="57" name="Rectangle 56">
-            <a:extLst>
-              <a:ext uri="{FF2B5EF4-FFF2-40B4-BE49-F238E27FC236}">
-                <a16:creationId xmlns:a16="http://schemas.microsoft.com/office/drawing/2014/main" id="{1DB02C11-0CA6-9D30-416B-97B13A35A4D2}"/>
-              </a:ext>
-            </a:extLst>
-          </p:cNvPr>
+            <a:endParaRPr lang="en-US"/>
+          </a:p>
+        </p:txBody>
+      </p:sp>
+      <p:sp>
+        <p:nvSpPr>
+          <p:cNvPr id="57" name="Rectangle 56"/>
           <p:cNvSpPr/>
           <p:nvPr/>
         </p:nvSpPr>
@@ -5061,19 +4436,13 @@
           <a:lstStyle/>
           <a:p>
             <a:pPr algn="ctr"/>
-            <a:endParaRPr lang="en-CN"/>
-          </a:p>
-        </p:txBody>
-      </p:sp>
-      <p:sp>
-        <p:nvSpPr>
-          <p:cNvPr id="58" name="Rectangle 57">
-            <a:extLst>
-              <a:ext uri="{FF2B5EF4-FFF2-40B4-BE49-F238E27FC236}">
-                <a16:creationId xmlns:a16="http://schemas.microsoft.com/office/drawing/2014/main" id="{B1E28770-62AB-B154-3E52-D72DE6BE7A47}"/>
-              </a:ext>
-            </a:extLst>
-          </p:cNvPr>
+            <a:endParaRPr lang="en-US"/>
+          </a:p>
+        </p:txBody>
+      </p:sp>
+      <p:sp>
+        <p:nvSpPr>
+          <p:cNvPr id="58" name="Rectangle 57"/>
           <p:cNvSpPr/>
           <p:nvPr/>
         </p:nvSpPr>
@@ -5110,19 +4479,13 @@
           <a:lstStyle/>
           <a:p>
             <a:pPr algn="ctr"/>
-            <a:endParaRPr lang="en-CN"/>
-          </a:p>
-        </p:txBody>
-      </p:sp>
-      <p:sp>
-        <p:nvSpPr>
-          <p:cNvPr id="59" name="Triangle 58">
-            <a:extLst>
-              <a:ext uri="{FF2B5EF4-FFF2-40B4-BE49-F238E27FC236}">
-                <a16:creationId xmlns:a16="http://schemas.microsoft.com/office/drawing/2014/main" id="{E49C3AB6-F419-ACFB-0C8F-5FE6846DC7E2}"/>
-              </a:ext>
-            </a:extLst>
-          </p:cNvPr>
+            <a:endParaRPr lang="en-US"/>
+          </a:p>
+        </p:txBody>
+      </p:sp>
+      <p:sp>
+        <p:nvSpPr>
+          <p:cNvPr id="59" name="Triangle 58"/>
           <p:cNvSpPr/>
           <p:nvPr/>
         </p:nvSpPr>
@@ -5164,19 +4527,13 @@
           <a:lstStyle/>
           <a:p>
             <a:pPr algn="ctr"/>
-            <a:endParaRPr lang="en-CN"/>
-          </a:p>
-        </p:txBody>
-      </p:sp>
-      <p:sp>
-        <p:nvSpPr>
-          <p:cNvPr id="60" name="Rectangle 59">
-            <a:extLst>
-              <a:ext uri="{FF2B5EF4-FFF2-40B4-BE49-F238E27FC236}">
-                <a16:creationId xmlns:a16="http://schemas.microsoft.com/office/drawing/2014/main" id="{6D6839B7-613C-B50C-AEF9-9722D5B5ED91}"/>
-              </a:ext>
-            </a:extLst>
-          </p:cNvPr>
+            <a:endParaRPr lang="en-US"/>
+          </a:p>
+        </p:txBody>
+      </p:sp>
+      <p:sp>
+        <p:nvSpPr>
+          <p:cNvPr id="60" name="Rectangle 59"/>
           <p:cNvSpPr/>
           <p:nvPr/>
         </p:nvSpPr>
@@ -5216,16 +4573,179 @@
           <a:lstStyle/>
           <a:p>
             <a:pPr algn="ctr"/>
-            <a:endParaRPr lang="en-CN"/>
+            <a:endParaRPr lang="en-US"/>
+          </a:p>
+        </p:txBody>
+      </p:sp>
+      <p:sp>
+        <p:nvSpPr>
+          <p:cNvPr id="2" name="Rectangle 57"/>
+          <p:cNvSpPr/>
+          <p:nvPr/>
+        </p:nvSpPr>
+        <p:spPr>
+          <a:xfrm rot="10800000">
+            <a:off x="2138680" y="4809490"/>
+            <a:ext cx="250825" cy="624840"/>
+          </a:xfrm>
+          <a:prstGeom prst="rect">
+            <a:avLst/>
+          </a:prstGeom>
+          <a:ln>
+            <a:noFill/>
+          </a:ln>
+        </p:spPr>
+        <p:style>
+          <a:lnRef idx="2">
+            <a:schemeClr val="accent1">
+              <a:shade val="50000"/>
+            </a:schemeClr>
+          </a:lnRef>
+          <a:fillRef idx="1">
+            <a:schemeClr val="accent1"/>
+          </a:fillRef>
+          <a:effectRef idx="0">
+            <a:schemeClr val="accent1"/>
+          </a:effectRef>
+          <a:fontRef idx="minor">
+            <a:schemeClr val="lt1"/>
+          </a:fontRef>
+        </p:style>
+        <p:txBody>
+          <a:bodyPr rtlCol="0" anchor="ctr"/>
+          <a:p>
+            <a:pPr algn="ctr"/>
+            <a:endParaRPr lang="en-US"/>
+          </a:p>
+        </p:txBody>
+      </p:sp>
+      <p:sp>
+        <p:nvSpPr>
+          <p:cNvPr id="3" name="Rectangle 57"/>
+          <p:cNvSpPr/>
+          <p:nvPr/>
+        </p:nvSpPr>
+        <p:spPr>
+          <a:xfrm rot="10800000">
+            <a:off x="2458720" y="4355465"/>
+            <a:ext cx="250825" cy="1078865"/>
+          </a:xfrm>
+          <a:prstGeom prst="rect">
+            <a:avLst/>
+          </a:prstGeom>
+          <a:ln>
+            <a:noFill/>
+          </a:ln>
+        </p:spPr>
+        <p:style>
+          <a:lnRef idx="2">
+            <a:schemeClr val="accent1">
+              <a:shade val="50000"/>
+            </a:schemeClr>
+          </a:lnRef>
+          <a:fillRef idx="1">
+            <a:schemeClr val="accent1"/>
+          </a:fillRef>
+          <a:effectRef idx="0">
+            <a:schemeClr val="accent1"/>
+          </a:effectRef>
+          <a:fontRef idx="minor">
+            <a:schemeClr val="lt1"/>
+          </a:fontRef>
+        </p:style>
+        <p:txBody>
+          <a:bodyPr rtlCol="0" anchor="ctr"/>
+          <a:p>
+            <a:pPr algn="ctr"/>
+            <a:endParaRPr lang="en-US"/>
+          </a:p>
+        </p:txBody>
+      </p:sp>
+      <p:sp>
+        <p:nvSpPr>
+          <p:cNvPr id="6" name="Rectangle 57"/>
+          <p:cNvSpPr/>
+          <p:nvPr/>
+        </p:nvSpPr>
+        <p:spPr>
+          <a:xfrm rot="10800000">
+            <a:off x="2778760" y="4355465"/>
+            <a:ext cx="236220" cy="518795"/>
+          </a:xfrm>
+          <a:prstGeom prst="rect">
+            <a:avLst/>
+          </a:prstGeom>
+          <a:ln>
+            <a:noFill/>
+          </a:ln>
+        </p:spPr>
+        <p:style>
+          <a:lnRef idx="2">
+            <a:schemeClr val="accent1">
+              <a:shade val="50000"/>
+            </a:schemeClr>
+          </a:lnRef>
+          <a:fillRef idx="1">
+            <a:schemeClr val="accent1"/>
+          </a:fillRef>
+          <a:effectRef idx="0">
+            <a:schemeClr val="accent1"/>
+          </a:effectRef>
+          <a:fontRef idx="minor">
+            <a:schemeClr val="lt1"/>
+          </a:fontRef>
+        </p:style>
+        <p:txBody>
+          <a:bodyPr rtlCol="0" anchor="ctr"/>
+          <a:p>
+            <a:pPr algn="ctr"/>
+            <a:endParaRPr lang="en-US"/>
+          </a:p>
+        </p:txBody>
+      </p:sp>
+      <p:sp>
+        <p:nvSpPr>
+          <p:cNvPr id="12" name="Rectangle 57"/>
+          <p:cNvSpPr/>
+          <p:nvPr/>
+        </p:nvSpPr>
+        <p:spPr>
+          <a:xfrm rot="10800000">
+            <a:off x="2778760" y="4915535"/>
+            <a:ext cx="236220" cy="518795"/>
+          </a:xfrm>
+          <a:prstGeom prst="rect">
+            <a:avLst/>
+          </a:prstGeom>
+          <a:ln>
+            <a:noFill/>
+          </a:ln>
+        </p:spPr>
+        <p:style>
+          <a:lnRef idx="2">
+            <a:schemeClr val="accent1">
+              <a:shade val="50000"/>
+            </a:schemeClr>
+          </a:lnRef>
+          <a:fillRef idx="1">
+            <a:schemeClr val="accent1"/>
+          </a:fillRef>
+          <a:effectRef idx="0">
+            <a:schemeClr val="accent1"/>
+          </a:effectRef>
+          <a:fontRef idx="minor">
+            <a:schemeClr val="lt1"/>
+          </a:fontRef>
+        </p:style>
+        <p:txBody>
+          <a:bodyPr rtlCol="0" anchor="ctr"/>
+          <a:p>
+            <a:pPr algn="ctr"/>
+            <a:endParaRPr lang="en-US"/>
           </a:p>
         </p:txBody>
       </p:sp>
     </p:spTree>
-    <p:extLst>
-      <p:ext uri="{BB962C8B-B14F-4D97-AF65-F5344CB8AC3E}">
-        <p14:creationId xmlns:p14="http://schemas.microsoft.com/office/powerpoint/2010/main" val="1850874392"/>
-      </p:ext>
-    </p:extLst>
   </p:cSld>
   <p:clrMapOvr>
     <a:masterClrMapping/>
@@ -5250,62 +4770,351 @@
           <a:chExt cx="0" cy="0"/>
         </a:xfrm>
       </p:grpSpPr>
-      <p:sp>
-        <p:nvSpPr>
-          <p:cNvPr id="2" name="Title 1">
-            <a:extLst>
-              <a:ext uri="{FF2B5EF4-FFF2-40B4-BE49-F238E27FC236}">
-                <a16:creationId xmlns:a16="http://schemas.microsoft.com/office/drawing/2014/main" id="{DDD677CF-F649-011D-6084-8D01D9EF4C11}"/>
-              </a:ext>
-            </a:extLst>
-          </p:cNvPr>
-          <p:cNvSpPr>
-            <a:spLocks noGrp="1"/>
-          </p:cNvSpPr>
-          <p:nvPr>
-            <p:ph type="title"/>
-          </p:nvPr>
-        </p:nvSpPr>
-        <p:spPr/>
-        <p:txBody>
-          <a:bodyPr/>
-          <a:lstStyle/>
-          <a:p>
-            <a:endParaRPr lang="en-CN"/>
-          </a:p>
-        </p:txBody>
-      </p:sp>
-      <p:sp>
-        <p:nvSpPr>
-          <p:cNvPr id="3" name="Content Placeholder 2">
-            <a:extLst>
-              <a:ext uri="{FF2B5EF4-FFF2-40B4-BE49-F238E27FC236}">
-                <a16:creationId xmlns:a16="http://schemas.microsoft.com/office/drawing/2014/main" id="{25574979-94FE-FCA3-4FC1-D43B3DCFF6E8}"/>
-              </a:ext>
-            </a:extLst>
-          </p:cNvPr>
-          <p:cNvSpPr>
-            <a:spLocks noGrp="1"/>
-          </p:cNvSpPr>
-          <p:nvPr>
-            <p:ph idx="1"/>
-          </p:nvPr>
-        </p:nvSpPr>
-        <p:spPr/>
-        <p:txBody>
-          <a:bodyPr/>
-          <a:lstStyle/>
-          <a:p>
-            <a:endParaRPr lang="en-CN"/>
-          </a:p>
-        </p:txBody>
-      </p:sp>
+      <p:pic>
+        <p:nvPicPr>
+          <p:cNvPr id="6" name="Picture 5"/>
+          <p:cNvPicPr>
+            <a:picLocks noChangeAspect="1"/>
+          </p:cNvPicPr>
+          <p:nvPr/>
+        </p:nvPicPr>
+        <p:blipFill>
+          <a:blip r:embed="rId1"/>
+          <a:stretch>
+            <a:fillRect/>
+          </a:stretch>
+        </p:blipFill>
+        <p:spPr>
+          <a:xfrm>
+            <a:off x="6851650" y="965200"/>
+            <a:ext cx="4199890" cy="2527300"/>
+          </a:xfrm>
+          <a:prstGeom prst="rect">
+            <a:avLst/>
+          </a:prstGeom>
+        </p:spPr>
+      </p:pic>
+      <p:pic>
+        <p:nvPicPr>
+          <p:cNvPr id="8" name="Picture 7"/>
+          <p:cNvPicPr>
+            <a:picLocks noChangeAspect="1"/>
+          </p:cNvPicPr>
+          <p:nvPr/>
+        </p:nvPicPr>
+        <p:blipFill>
+          <a:blip r:embed="rId2"/>
+          <a:stretch>
+            <a:fillRect/>
+          </a:stretch>
+        </p:blipFill>
+        <p:spPr>
+          <a:xfrm>
+            <a:off x="7797800" y="4070350"/>
+            <a:ext cx="2768600" cy="1638300"/>
+          </a:xfrm>
+          <a:prstGeom prst="rect">
+            <a:avLst/>
+          </a:prstGeom>
+        </p:spPr>
+      </p:pic>
+      <p:sp>
+        <p:nvSpPr>
+          <p:cNvPr id="9" name="Isosceles Triangle 8"/>
+          <p:cNvSpPr/>
+          <p:nvPr/>
+        </p:nvSpPr>
+        <p:spPr>
+          <a:xfrm>
+            <a:off x="1752600" y="2716530"/>
+            <a:ext cx="431800" cy="560070"/>
+          </a:xfrm>
+          <a:prstGeom prst="triangle">
+            <a:avLst/>
+          </a:prstGeom>
+          <a:solidFill>
+            <a:srgbClr val="319FD4"/>
+          </a:solidFill>
+          <a:ln>
+            <a:noFill/>
+          </a:ln>
+        </p:spPr>
+        <p:style>
+          <a:lnRef idx="2">
+            <a:schemeClr val="accent1">
+              <a:shade val="50000"/>
+            </a:schemeClr>
+          </a:lnRef>
+          <a:fillRef idx="1">
+            <a:schemeClr val="accent1"/>
+          </a:fillRef>
+          <a:effectRef idx="0">
+            <a:schemeClr val="accent1"/>
+          </a:effectRef>
+          <a:fontRef idx="minor">
+            <a:schemeClr val="lt1"/>
+          </a:fontRef>
+        </p:style>
+        <p:txBody>
+          <a:bodyPr rtlCol="0" anchor="ctr"/>
+          <a:p>
+            <a:pPr algn="ctr"/>
+            <a:endParaRPr lang="en-US"/>
+          </a:p>
+        </p:txBody>
+      </p:sp>
+      <p:pic>
+        <p:nvPicPr>
+          <p:cNvPr id="3" name="Picture 2"/>
+          <p:cNvPicPr>
+            <a:picLocks noChangeAspect="1"/>
+          </p:cNvPicPr>
+          <p:nvPr/>
+        </p:nvPicPr>
+        <p:blipFill>
+          <a:blip r:embed="rId3"/>
+          <a:stretch>
+            <a:fillRect/>
+          </a:stretch>
+        </p:blipFill>
+        <p:spPr>
+          <a:xfrm>
+            <a:off x="4146550" y="1574800"/>
+            <a:ext cx="1892300" cy="1828800"/>
+          </a:xfrm>
+          <a:prstGeom prst="rect">
+            <a:avLst/>
+          </a:prstGeom>
+        </p:spPr>
+      </p:pic>
+      <p:pic>
+        <p:nvPicPr>
+          <p:cNvPr id="4" name="Picture 3"/>
+          <p:cNvPicPr>
+            <a:picLocks noChangeAspect="1"/>
+          </p:cNvPicPr>
+          <p:nvPr/>
+        </p:nvPicPr>
+        <p:blipFill>
+          <a:blip r:embed="rId4"/>
+          <a:stretch>
+            <a:fillRect/>
+          </a:stretch>
+        </p:blipFill>
+        <p:spPr>
+          <a:xfrm>
+            <a:off x="0" y="285750"/>
+            <a:ext cx="5092700" cy="2070100"/>
+          </a:xfrm>
+          <a:prstGeom prst="rect">
+            <a:avLst/>
+          </a:prstGeom>
+        </p:spPr>
+      </p:pic>
+      <p:grpSp>
+        <p:nvGrpSpPr>
+          <p:cNvPr id="7" name="Group 6"/>
+          <p:cNvGrpSpPr/>
+          <p:nvPr/>
+        </p:nvGrpSpPr>
+        <p:grpSpPr>
+          <a:xfrm>
+            <a:off x="1962785" y="3492500"/>
+            <a:ext cx="1789430" cy="1778000"/>
+            <a:chOff x="3091" y="5500"/>
+            <a:chExt cx="2818" cy="2800"/>
+          </a:xfrm>
+        </p:grpSpPr>
+        <p:sp>
+          <p:nvSpPr>
+            <p:cNvPr id="10" name="Trapezoid 9"/>
+            <p:cNvSpPr/>
+            <p:nvPr/>
+          </p:nvSpPr>
+          <p:spPr>
+            <a:xfrm>
+              <a:off x="3091" y="5500"/>
+              <a:ext cx="2819" cy="2800"/>
+            </a:xfrm>
+            <a:prstGeom prst="trapezoid">
+              <a:avLst>
+                <a:gd name="adj" fmla="val 38985"/>
+              </a:avLst>
+            </a:prstGeom>
+            <a:solidFill>
+              <a:srgbClr val="F0D53A"/>
+            </a:solidFill>
+            <a:ln>
+              <a:noFill/>
+            </a:ln>
+          </p:spPr>
+          <p:style>
+            <a:lnRef idx="2">
+              <a:schemeClr val="accent1">
+                <a:shade val="50000"/>
+              </a:schemeClr>
+            </a:lnRef>
+            <a:fillRef idx="1">
+              <a:schemeClr val="accent1"/>
+            </a:fillRef>
+            <a:effectRef idx="0">
+              <a:schemeClr val="accent1"/>
+            </a:effectRef>
+            <a:fontRef idx="minor">
+              <a:schemeClr val="lt1"/>
+            </a:fontRef>
+          </p:style>
+          <p:txBody>
+            <a:bodyPr rtlCol="0" anchor="ctr"/>
+            <a:p>
+              <a:pPr algn="ctr"/>
+              <a:endParaRPr lang="en-US"/>
+            </a:p>
+          </p:txBody>
+        </p:sp>
+        <p:sp>
+          <p:nvSpPr>
+            <p:cNvPr id="12" name="Trapezoid 11"/>
+            <p:cNvSpPr/>
+            <p:nvPr/>
+          </p:nvSpPr>
+          <p:spPr>
+            <a:xfrm>
+              <a:off x="3529" y="6031"/>
+              <a:ext cx="1963" cy="2269"/>
+            </a:xfrm>
+            <a:prstGeom prst="trapezoid">
+              <a:avLst>
+                <a:gd name="adj" fmla="val 43199"/>
+              </a:avLst>
+            </a:prstGeom>
+            <a:solidFill>
+              <a:srgbClr val="EC5D2F"/>
+            </a:solidFill>
+            <a:ln>
+              <a:noFill/>
+            </a:ln>
+          </p:spPr>
+          <p:style>
+            <a:lnRef idx="2">
+              <a:schemeClr val="accent1">
+                <a:shade val="50000"/>
+              </a:schemeClr>
+            </a:lnRef>
+            <a:fillRef idx="1">
+              <a:schemeClr val="accent1"/>
+            </a:fillRef>
+            <a:effectRef idx="0">
+              <a:schemeClr val="accent1"/>
+            </a:effectRef>
+            <a:fontRef idx="minor">
+              <a:schemeClr val="lt1"/>
+            </a:fontRef>
+          </p:style>
+          <p:txBody>
+            <a:bodyPr rtlCol="0" anchor="ctr"/>
+            <a:p>
+              <a:pPr algn="ctr"/>
+              <a:endParaRPr lang="en-US"/>
+            </a:p>
+          </p:txBody>
+        </p:sp>
+        <p:sp>
+          <p:nvSpPr>
+            <p:cNvPr id="13" name="Trapezoid 12"/>
+            <p:cNvSpPr/>
+            <p:nvPr/>
+          </p:nvSpPr>
+          <p:spPr>
+            <a:xfrm>
+              <a:off x="4050" y="6958"/>
+              <a:ext cx="920" cy="1342"/>
+            </a:xfrm>
+            <a:prstGeom prst="trapezoid">
+              <a:avLst>
+                <a:gd name="adj" fmla="val 50000"/>
+              </a:avLst>
+            </a:prstGeom>
+            <a:solidFill>
+              <a:srgbClr val="349FD2"/>
+            </a:solidFill>
+            <a:ln>
+              <a:noFill/>
+            </a:ln>
+          </p:spPr>
+          <p:style>
+            <a:lnRef idx="2">
+              <a:schemeClr val="accent1">
+                <a:shade val="50000"/>
+              </a:schemeClr>
+            </a:lnRef>
+            <a:fillRef idx="1">
+              <a:schemeClr val="accent1"/>
+            </a:fillRef>
+            <a:effectRef idx="0">
+              <a:schemeClr val="accent1"/>
+            </a:effectRef>
+            <a:fontRef idx="minor">
+              <a:schemeClr val="lt1"/>
+            </a:fontRef>
+          </p:style>
+          <p:txBody>
+            <a:bodyPr rtlCol="0" anchor="ctr"/>
+            <a:p>
+              <a:pPr algn="ctr"/>
+              <a:endParaRPr lang="en-US"/>
+            </a:p>
+          </p:txBody>
+        </p:sp>
+        <p:sp>
+          <p:nvSpPr>
+            <p:cNvPr id="5" name="Trapezoid 4"/>
+            <p:cNvSpPr/>
+            <p:nvPr/>
+          </p:nvSpPr>
+          <p:spPr>
+            <a:xfrm>
+              <a:off x="3778" y="7665"/>
+              <a:ext cx="1444" cy="427"/>
+            </a:xfrm>
+            <a:prstGeom prst="trapezoid">
+              <a:avLst>
+                <a:gd name="adj" fmla="val 43199"/>
+              </a:avLst>
+            </a:prstGeom>
+            <a:solidFill>
+              <a:srgbClr val="EC5D2F"/>
+            </a:solidFill>
+            <a:ln>
+              <a:noFill/>
+            </a:ln>
+          </p:spPr>
+          <p:style>
+            <a:lnRef idx="2">
+              <a:schemeClr val="accent1">
+                <a:shade val="50000"/>
+              </a:schemeClr>
+            </a:lnRef>
+            <a:fillRef idx="1">
+              <a:schemeClr val="accent1"/>
+            </a:fillRef>
+            <a:effectRef idx="0">
+              <a:schemeClr val="accent1"/>
+            </a:effectRef>
+            <a:fontRef idx="minor">
+              <a:schemeClr val="lt1"/>
+            </a:fontRef>
+          </p:style>
+          <p:txBody>
+            <a:bodyPr rtlCol="0" anchor="ctr"/>
+            <a:p>
+              <a:pPr algn="ctr"/>
+              <a:endParaRPr lang="en-US"/>
+            </a:p>
+          </p:txBody>
+        </p:sp>
+      </p:grpSp>
     </p:spTree>
-    <p:extLst>
-      <p:ext uri="{BB962C8B-B14F-4D97-AF65-F5344CB8AC3E}">
-        <p14:creationId xmlns:p14="http://schemas.microsoft.com/office/powerpoint/2010/main" val="100197889"/>
-      </p:ext>
-    </p:extLst>
   </p:cSld>
   <p:clrMapOvr>
     <a:masterClrMapping/>
@@ -5356,7 +5165,7 @@
     </a:clrScheme>
     <a:fontScheme name="Office">
       <a:majorFont>
-        <a:latin typeface="Calibri Light" panose="020F0302020204030204"/>
+        <a:latin typeface="Calibri Light"/>
         <a:ea typeface=""/>
         <a:cs typeface=""/>
         <a:font script="Jpan" typeface="游ゴシック Light"/>
@@ -5389,26 +5198,9 @@
         <a:font script="Viet" typeface="Times New Roman"/>
         <a:font script="Uigh" typeface="Microsoft Uighur"/>
         <a:font script="Geor" typeface="Sylfaen"/>
-        <a:font script="Armn" typeface="Arial"/>
-        <a:font script="Bugi" typeface="Leelawadee UI"/>
-        <a:font script="Bopo" typeface="Microsoft JhengHei"/>
-        <a:font script="Java" typeface="Javanese Text"/>
-        <a:font script="Lisu" typeface="Segoe UI"/>
-        <a:font script="Mymr" typeface="Myanmar Text"/>
-        <a:font script="Nkoo" typeface="Ebrima"/>
-        <a:font script="Olck" typeface="Nirmala UI"/>
-        <a:font script="Osma" typeface="Ebrima"/>
-        <a:font script="Phag" typeface="Phagspa"/>
-        <a:font script="Syrn" typeface="Estrangelo Edessa"/>
-        <a:font script="Syrj" typeface="Estrangelo Edessa"/>
-        <a:font script="Syre" typeface="Estrangelo Edessa"/>
-        <a:font script="Sora" typeface="Nirmala UI"/>
-        <a:font script="Tale" typeface="Microsoft Tai Le"/>
-        <a:font script="Talu" typeface="Microsoft New Tai Lue"/>
-        <a:font script="Tfng" typeface="Ebrima"/>
       </a:majorFont>
       <a:minorFont>
-        <a:latin typeface="Calibri" panose="020F0502020204030204"/>
+        <a:latin typeface="Calibri"/>
         <a:ea typeface=""/>
         <a:cs typeface=""/>
         <a:font script="Jpan" typeface="游ゴシック"/>
@@ -5441,23 +5233,6 @@
         <a:font script="Viet" typeface="Arial"/>
         <a:font script="Uigh" typeface="Microsoft Uighur"/>
         <a:font script="Geor" typeface="Sylfaen"/>
-        <a:font script="Armn" typeface="Arial"/>
-        <a:font script="Bugi" typeface="Leelawadee UI"/>
-        <a:font script="Bopo" typeface="Microsoft JhengHei"/>
-        <a:font script="Java" typeface="Javanese Text"/>
-        <a:font script="Lisu" typeface="Segoe UI"/>
-        <a:font script="Mymr" typeface="Myanmar Text"/>
-        <a:font script="Nkoo" typeface="Ebrima"/>
-        <a:font script="Olck" typeface="Nirmala UI"/>
-        <a:font script="Osma" typeface="Ebrima"/>
-        <a:font script="Phag" typeface="Phagspa"/>
-        <a:font script="Syrn" typeface="Estrangelo Edessa"/>
-        <a:font script="Syrj" typeface="Estrangelo Edessa"/>
-        <a:font script="Syre" typeface="Estrangelo Edessa"/>
-        <a:font script="Sora" typeface="Nirmala UI"/>
-        <a:font script="Tale" typeface="Microsoft Tai Le"/>
-        <a:font script="Talu" typeface="Microsoft New Tai Lue"/>
-        <a:font script="Tfng" typeface="Ebrima"/>
       </a:minorFont>
     </a:fontScheme>
     <a:fmtScheme name="Office">
@@ -5598,8 +5373,6 @@
       </a:bgFillStyleLst>
     </a:fmtScheme>
   </a:themeElements>
-  <a:objectDefaults/>
-  <a:extraClrSchemeLst/>
   <a:extLst>
     <a:ext uri="{05A4C25C-085E-4340-85A3-A5531E510DB2}">
       <thm15:themeFamily xmlns:thm15="http://schemas.microsoft.com/office/thememl/2012/main" name="Office Theme" id="{62F939B6-93AF-4DB8-9C6B-D6C7DFDC589F}" vid="{4A3C46E8-61CC-4603-A589-7422A47A8E4A}"/>
